--- a/Mettez votre logique à l'épreuve.pptx
+++ b/Mettez votre logique à l'épreuve.pptx
@@ -8,22 +8,27 @@
     <p:sldId id="256" r:id="rId2"/>
     <p:sldId id="257" r:id="rId3"/>
     <p:sldId id="265" r:id="rId4"/>
-    <p:sldId id="259" r:id="rId5"/>
-    <p:sldId id="260" r:id="rId6"/>
-    <p:sldId id="258" r:id="rId7"/>
-    <p:sldId id="267" r:id="rId8"/>
-    <p:sldId id="261" r:id="rId9"/>
-    <p:sldId id="262" r:id="rId10"/>
-    <p:sldId id="263" r:id="rId11"/>
-    <p:sldId id="264" r:id="rId12"/>
-    <p:sldId id="268" r:id="rId13"/>
-    <p:sldId id="269" r:id="rId14"/>
-    <p:sldId id="270" r:id="rId15"/>
-    <p:sldId id="271" r:id="rId16"/>
-    <p:sldId id="272" r:id="rId17"/>
-    <p:sldId id="273" r:id="rId18"/>
-    <p:sldId id="274" r:id="rId19"/>
-    <p:sldId id="275" r:id="rId20"/>
+    <p:sldId id="279" r:id="rId5"/>
+    <p:sldId id="259" r:id="rId6"/>
+    <p:sldId id="260" r:id="rId7"/>
+    <p:sldId id="258" r:id="rId8"/>
+    <p:sldId id="267" r:id="rId9"/>
+    <p:sldId id="261" r:id="rId10"/>
+    <p:sldId id="262" r:id="rId11"/>
+    <p:sldId id="263" r:id="rId12"/>
+    <p:sldId id="264" r:id="rId13"/>
+    <p:sldId id="268" r:id="rId14"/>
+    <p:sldId id="269" r:id="rId15"/>
+    <p:sldId id="276" r:id="rId16"/>
+    <p:sldId id="270" r:id="rId17"/>
+    <p:sldId id="277" r:id="rId18"/>
+    <p:sldId id="271" r:id="rId19"/>
+    <p:sldId id="278" r:id="rId20"/>
+    <p:sldId id="272" r:id="rId21"/>
+    <p:sldId id="273" r:id="rId22"/>
+    <p:sldId id="274" r:id="rId23"/>
+    <p:sldId id="275" r:id="rId24"/>
+    <p:sldId id="280" r:id="rId25"/>
   </p:sldIdLst>
   <p:sldSz cx="12192000" cy="6858000"/>
   <p:notesSz cx="6858000" cy="9144000"/>
@@ -3924,7 +3929,7 @@
           <a:p>
             <a:r>
               <a:rPr lang="fr-FR" dirty="0" smtClean="0"/>
-              <a:t>Class Settings</a:t>
+              <a:t>Class Main</a:t>
             </a:r>
             <a:endParaRPr lang="fr-FR" dirty="0"/>
           </a:p>
@@ -3942,411 +3947,146 @@
         </p:nvSpPr>
         <p:spPr/>
         <p:txBody>
-          <a:bodyPr>
-            <a:normAutofit fontScale="47500" lnSpcReduction="20000"/>
-          </a:bodyPr>
+          <a:bodyPr/>
           <a:lstStyle/>
           <a:p>
             <a:r>
-              <a:rPr lang="fr-FR" sz="3800" dirty="0"/>
-              <a:t>Chargement des paramètres depuis le fichier </a:t>
-            </a:r>
-            <a:r>
-              <a:rPr lang="fr-FR" sz="3800" dirty="0" err="1"/>
+              <a:rPr lang="fr-FR" dirty="0"/>
+              <a:t>Chargement des settings à partir du fichier /</a:t>
+            </a:r>
+            <a:r>
+              <a:rPr lang="fr-FR" dirty="0" err="1"/>
+              <a:t>resources</a:t>
+            </a:r>
+            <a:r>
+              <a:rPr lang="fr-FR" dirty="0"/>
+              <a:t>/</a:t>
+            </a:r>
+            <a:r>
+              <a:rPr lang="fr-FR" dirty="0" err="1"/>
               <a:t>settings.properties</a:t>
             </a:r>
-            <a:endParaRPr lang="fr-FR" sz="3800" dirty="0"/>
+            <a:r>
+              <a:rPr lang="fr-FR" dirty="0"/>
+              <a:t> </a:t>
+            </a:r>
+            <a:endParaRPr lang="fr-FR" dirty="0" smtClean="0"/>
           </a:p>
           <a:p>
             <a:pPr marL="0" indent="0">
               <a:buNone/>
             </a:pPr>
             <a:r>
-              <a:rPr lang="fr-FR" dirty="0" smtClean="0"/>
-              <a:t> </a:t>
-            </a:r>
-            <a:r>
-              <a:rPr lang="fr-FR" dirty="0"/>
-              <a:t>Initialisation des </a:t>
-            </a:r>
-            <a:r>
-              <a:rPr lang="fr-FR" dirty="0" smtClean="0"/>
-              <a:t>3 </a:t>
-            </a:r>
-            <a:r>
-              <a:rPr lang="fr-FR" dirty="0"/>
-              <a:t>listes </a:t>
-            </a:r>
-            <a:r>
-              <a:rPr lang="fr-FR" dirty="0" err="1"/>
-              <a:t>integer</a:t>
-            </a:r>
-            <a:r>
-              <a:rPr lang="fr-FR" dirty="0"/>
-              <a:t> en fonction de </a:t>
+              <a:rPr lang="fr-FR" dirty="0"/>
+              <a:t>Appelle la méthode </a:t>
             </a:r>
             <a:r>
               <a:rPr lang="fr-FR" dirty="0" err="1" smtClean="0"/>
-              <a:t>combLen</a:t>
+              <a:t>settings.load</a:t>
             </a:r>
             <a:endParaRPr lang="fr-FR" dirty="0" smtClean="0"/>
           </a:p>
           <a:p>
-            <a:pPr marL="0" indent="0">
-              <a:buNone/>
-            </a:pPr>
+            <a:r>
+              <a:rPr lang="fr-FR" dirty="0" smtClean="0"/>
+              <a:t>Création d’une nouvelle partie :</a:t>
+            </a:r>
+            <a:br>
+              <a:rPr lang="fr-FR" dirty="0" smtClean="0"/>
+            </a:br>
+            <a:r>
+              <a:rPr lang="fr-FR" dirty="0" smtClean="0"/>
+              <a:t>Appelle la méthode </a:t>
+            </a:r>
+            <a:r>
+              <a:rPr lang="fr-FR" i="1" dirty="0" err="1" smtClean="0"/>
+              <a:t>game.play</a:t>
+            </a:r>
+            <a:r>
+              <a:rPr lang="fr-FR" dirty="0" smtClean="0"/>
+              <a:t> : lancement d’un partie</a:t>
+            </a:r>
+          </a:p>
+          <a:p>
+            <a:r>
+              <a:rPr lang="fr-FR" dirty="0" smtClean="0"/>
+              <a:t>Relance </a:t>
+            </a:r>
+            <a:r>
+              <a:rPr lang="fr-FR" dirty="0"/>
+              <a:t>une nouvelle partie ou de quitter le </a:t>
+            </a:r>
+            <a:r>
+              <a:rPr lang="fr-FR" dirty="0" smtClean="0"/>
+              <a:t>programme</a:t>
+            </a:r>
+            <a:r>
+              <a:rPr lang="fr-FR" dirty="0"/>
+              <a:t/>
+            </a:r>
+            <a:br>
+              <a:rPr lang="fr-FR" dirty="0"/>
+            </a:br>
+            <a:r>
+              <a:rPr lang="fr-FR" dirty="0" smtClean="0"/>
+              <a:t>Appelle la méthode </a:t>
+            </a:r>
+            <a:r>
+              <a:rPr lang="fr-FR" dirty="0" err="1" smtClean="0"/>
+              <a:t>game.replay</a:t>
+            </a:r>
+            <a:r>
+              <a:rPr lang="fr-FR" dirty="0" smtClean="0"/>
+              <a:t> : choix de</a:t>
+            </a:r>
+            <a:br>
+              <a:rPr lang="fr-FR" dirty="0" smtClean="0"/>
+            </a:br>
+            <a:r>
+              <a:rPr lang="fr-FR" dirty="0" smtClean="0"/>
+              <a:t>Appelle </a:t>
+            </a:r>
+            <a:r>
+              <a:rPr lang="fr-FR" dirty="0"/>
+              <a:t>la méthode </a:t>
+            </a:r>
+            <a:r>
+              <a:rPr lang="fr-FR" dirty="0" err="1" smtClean="0"/>
+              <a:t>settings.clear</a:t>
+            </a:r>
+            <a:r>
+              <a:rPr lang="fr-FR" dirty="0" smtClean="0"/>
+              <a:t> pour </a:t>
+            </a:r>
+            <a:r>
+              <a:rPr lang="fr-FR" dirty="0" err="1" smtClean="0"/>
+              <a:t>ré-initialiser</a:t>
+            </a:r>
+            <a:r>
+              <a:rPr lang="fr-FR" dirty="0" smtClean="0"/>
+              <a:t> les paramètres</a:t>
+            </a:r>
             <a:endParaRPr lang="fr-FR" dirty="0"/>
-          </a:p>
-          <a:p>
-            <a:r>
-              <a:rPr lang="fr-FR" sz="3800" dirty="0"/>
-              <a:t>Remise à </a:t>
-            </a:r>
-            <a:r>
-              <a:rPr lang="fr-FR" sz="3800" dirty="0" err="1"/>
-              <a:t>zèro</a:t>
-            </a:r>
-            <a:r>
-              <a:rPr lang="fr-FR" sz="3800" dirty="0"/>
-              <a:t> des 3 listes </a:t>
-            </a:r>
-            <a:r>
-              <a:rPr lang="fr-FR" sz="3800" dirty="0" err="1"/>
-              <a:t>integer</a:t>
-            </a:r>
-            <a:r>
-              <a:rPr lang="fr-FR" sz="3800" dirty="0"/>
-              <a:t> (pour le mode defender et dual uniquement), joueur </a:t>
-            </a:r>
-            <a:r>
-              <a:rPr lang="fr-FR" sz="3800" dirty="0" smtClean="0"/>
-              <a:t>CPU</a:t>
-            </a:r>
-          </a:p>
-          <a:p>
-            <a:endParaRPr lang="fr-FR" dirty="0" smtClean="0"/>
-          </a:p>
-          <a:p>
-            <a:pPr marL="0" indent="0">
-              <a:buNone/>
-            </a:pPr>
-            <a:r>
-              <a:rPr lang="fr-FR" dirty="0" err="1"/>
-              <a:t>static</a:t>
-            </a:r>
-            <a:r>
-              <a:rPr lang="fr-FR" dirty="0"/>
-              <a:t> </a:t>
-            </a:r>
-            <a:r>
-              <a:rPr lang="fr-FR" dirty="0" err="1"/>
-              <a:t>int</a:t>
-            </a:r>
-            <a:r>
-              <a:rPr lang="fr-FR" dirty="0"/>
-              <a:t> </a:t>
-            </a:r>
-            <a:r>
-              <a:rPr lang="fr-FR" dirty="0" err="1"/>
-              <a:t>combLen</a:t>
-            </a:r>
-            <a:r>
-              <a:rPr lang="fr-FR" dirty="0"/>
-              <a:t>; // </a:t>
-            </a:r>
-            <a:r>
-              <a:rPr lang="fr-FR" dirty="0" err="1"/>
-              <a:t>nbr</a:t>
-            </a:r>
-            <a:r>
-              <a:rPr lang="fr-FR" dirty="0"/>
-              <a:t> de chiffres de la combinaison par défaut à charger depuis les paramètres </a:t>
-            </a:r>
-            <a:r>
-              <a:rPr lang="fr-FR" dirty="0" err="1"/>
-              <a:t>xml</a:t>
-            </a:r>
-            <a:endParaRPr lang="fr-FR" dirty="0"/>
-          </a:p>
-          <a:p>
-            <a:pPr marL="0" indent="0">
-              <a:buNone/>
-            </a:pPr>
-            <a:r>
-              <a:rPr lang="fr-FR" dirty="0" err="1" smtClean="0"/>
-              <a:t>static</a:t>
-            </a:r>
-            <a:r>
-              <a:rPr lang="fr-FR" dirty="0" smtClean="0"/>
-              <a:t> </a:t>
-            </a:r>
-            <a:r>
-              <a:rPr lang="fr-FR" dirty="0" err="1"/>
-              <a:t>int</a:t>
-            </a:r>
-            <a:r>
-              <a:rPr lang="fr-FR" dirty="0"/>
-              <a:t> </a:t>
-            </a:r>
-            <a:r>
-              <a:rPr lang="fr-FR" dirty="0" err="1"/>
-              <a:t>nbTryLimit</a:t>
-            </a:r>
-            <a:r>
-              <a:rPr lang="fr-FR" dirty="0"/>
-              <a:t>; // nombre d'essais autorisés avant de trouver la bonne solution</a:t>
-            </a:r>
-          </a:p>
-          <a:p>
-            <a:pPr marL="0" indent="0">
-              <a:buNone/>
-            </a:pPr>
-            <a:r>
-              <a:rPr lang="fr-FR" dirty="0" err="1" smtClean="0"/>
-              <a:t>static</a:t>
-            </a:r>
-            <a:r>
-              <a:rPr lang="fr-FR" dirty="0" smtClean="0"/>
-              <a:t> </a:t>
-            </a:r>
-            <a:r>
-              <a:rPr lang="fr-FR" dirty="0" err="1"/>
-              <a:t>boolean</a:t>
-            </a:r>
-            <a:r>
-              <a:rPr lang="fr-FR" dirty="0"/>
-              <a:t> </a:t>
-            </a:r>
-            <a:r>
-              <a:rPr lang="fr-FR" dirty="0" err="1"/>
-              <a:t>devMode</a:t>
-            </a:r>
-            <a:r>
-              <a:rPr lang="fr-FR" dirty="0"/>
-              <a:t>; // false Normal - </a:t>
-            </a:r>
-            <a:r>
-              <a:rPr lang="fr-FR" dirty="0" err="1"/>
-              <a:t>true</a:t>
-            </a:r>
-            <a:r>
-              <a:rPr lang="fr-FR" dirty="0"/>
-              <a:t> Mode Développeur</a:t>
-            </a:r>
-          </a:p>
-          <a:p>
-            <a:pPr marL="0" indent="0">
-              <a:buNone/>
-            </a:pPr>
-            <a:r>
-              <a:rPr lang="fr-FR" dirty="0" err="1" smtClean="0"/>
-              <a:t>static</a:t>
-            </a:r>
-            <a:r>
-              <a:rPr lang="fr-FR" dirty="0" smtClean="0"/>
-              <a:t> </a:t>
-            </a:r>
-            <a:r>
-              <a:rPr lang="fr-FR" dirty="0"/>
-              <a:t>String </a:t>
-            </a:r>
-            <a:r>
-              <a:rPr lang="fr-FR" dirty="0" err="1"/>
-              <a:t>winReply</a:t>
-            </a:r>
-            <a:r>
-              <a:rPr lang="fr-FR" dirty="0"/>
-              <a:t> = ""; // Résultat de la combinaison à obtenir (=) x </a:t>
-            </a:r>
-            <a:r>
-              <a:rPr lang="fr-FR" dirty="0" err="1"/>
-              <a:t>combLen</a:t>
-            </a:r>
-            <a:endParaRPr lang="fr-FR" dirty="0"/>
-          </a:p>
-          <a:p>
-            <a:pPr marL="0" indent="0">
-              <a:buNone/>
-            </a:pPr>
-            <a:r>
-              <a:rPr lang="fr-FR" dirty="0" err="1" smtClean="0"/>
-              <a:t>static</a:t>
-            </a:r>
-            <a:r>
-              <a:rPr lang="fr-FR" dirty="0" smtClean="0"/>
-              <a:t> </a:t>
-            </a:r>
-            <a:r>
-              <a:rPr lang="fr-FR" dirty="0"/>
-              <a:t>List&lt;</a:t>
-            </a:r>
-            <a:r>
-              <a:rPr lang="fr-FR" dirty="0" err="1"/>
-              <a:t>Integer</a:t>
-            </a:r>
-            <a:r>
-              <a:rPr lang="fr-FR" dirty="0"/>
-              <a:t>&gt; </a:t>
-            </a:r>
-            <a:r>
-              <a:rPr lang="fr-FR" dirty="0" err="1"/>
-              <a:t>maxValues</a:t>
-            </a:r>
-            <a:r>
-              <a:rPr lang="fr-FR" dirty="0"/>
-              <a:t> = new </a:t>
-            </a:r>
-            <a:r>
-              <a:rPr lang="fr-FR" dirty="0" err="1"/>
-              <a:t>ArrayList</a:t>
-            </a:r>
-            <a:r>
-              <a:rPr lang="fr-FR" dirty="0"/>
-              <a:t>&lt;</a:t>
-            </a:r>
-            <a:r>
-              <a:rPr lang="fr-FR" dirty="0" err="1"/>
-              <a:t>Integer</a:t>
-            </a:r>
-            <a:r>
-              <a:rPr lang="fr-FR" dirty="0"/>
-              <a:t>&gt;(</a:t>
-            </a:r>
-            <a:r>
-              <a:rPr lang="fr-FR" dirty="0" err="1"/>
-              <a:t>combLen</a:t>
-            </a:r>
-            <a:r>
-              <a:rPr lang="fr-FR" dirty="0"/>
-              <a:t>); // Mémorise toutes les valeurs max</a:t>
-            </a:r>
-          </a:p>
-          <a:p>
-            <a:pPr marL="0" indent="0">
-              <a:buNone/>
-            </a:pPr>
-            <a:r>
-              <a:rPr lang="fr-FR" dirty="0" err="1" smtClean="0"/>
-              <a:t>static</a:t>
-            </a:r>
-            <a:r>
-              <a:rPr lang="fr-FR" dirty="0" smtClean="0"/>
-              <a:t> </a:t>
-            </a:r>
-            <a:r>
-              <a:rPr lang="fr-FR" dirty="0"/>
-              <a:t>List&lt;</a:t>
-            </a:r>
-            <a:r>
-              <a:rPr lang="fr-FR" dirty="0" err="1"/>
-              <a:t>Integer</a:t>
-            </a:r>
-            <a:r>
-              <a:rPr lang="fr-FR" dirty="0"/>
-              <a:t>&gt; </a:t>
-            </a:r>
-            <a:r>
-              <a:rPr lang="fr-FR" dirty="0" err="1"/>
-              <a:t>minValues</a:t>
-            </a:r>
-            <a:r>
-              <a:rPr lang="fr-FR" dirty="0"/>
-              <a:t> = new </a:t>
-            </a:r>
-            <a:r>
-              <a:rPr lang="fr-FR" dirty="0" err="1"/>
-              <a:t>ArrayList</a:t>
-            </a:r>
-            <a:r>
-              <a:rPr lang="fr-FR" dirty="0"/>
-              <a:t>&lt;</a:t>
-            </a:r>
-            <a:r>
-              <a:rPr lang="fr-FR" dirty="0" err="1"/>
-              <a:t>Integer</a:t>
-            </a:r>
-            <a:r>
-              <a:rPr lang="fr-FR" dirty="0"/>
-              <a:t>&gt;(</a:t>
-            </a:r>
-            <a:r>
-              <a:rPr lang="fr-FR" dirty="0" err="1"/>
-              <a:t>combLen</a:t>
-            </a:r>
-            <a:r>
-              <a:rPr lang="fr-FR" dirty="0"/>
-              <a:t>); // Mémorise toutes les valeurs min</a:t>
-            </a:r>
-          </a:p>
-          <a:p>
-            <a:pPr marL="0" indent="0">
-              <a:buNone/>
-            </a:pPr>
-            <a:r>
-              <a:rPr lang="fr-FR" dirty="0" err="1" smtClean="0"/>
-              <a:t>static</a:t>
-            </a:r>
-            <a:r>
-              <a:rPr lang="fr-FR" dirty="0" smtClean="0"/>
-              <a:t> </a:t>
-            </a:r>
-            <a:r>
-              <a:rPr lang="fr-FR" dirty="0"/>
-              <a:t>List&lt;</a:t>
-            </a:r>
-            <a:r>
-              <a:rPr lang="fr-FR" dirty="0" err="1"/>
-              <a:t>Integer</a:t>
-            </a:r>
-            <a:r>
-              <a:rPr lang="fr-FR" dirty="0"/>
-              <a:t>&gt; </a:t>
-            </a:r>
-            <a:r>
-              <a:rPr lang="fr-FR" dirty="0" err="1"/>
-              <a:t>theValues</a:t>
-            </a:r>
-            <a:r>
-              <a:rPr lang="fr-FR" dirty="0"/>
-              <a:t> = new </a:t>
-            </a:r>
-            <a:r>
-              <a:rPr lang="fr-FR" dirty="0" err="1"/>
-              <a:t>ArrayList</a:t>
-            </a:r>
-            <a:r>
-              <a:rPr lang="fr-FR" dirty="0"/>
-              <a:t>&lt;</a:t>
-            </a:r>
-            <a:r>
-              <a:rPr lang="fr-FR" dirty="0" err="1"/>
-              <a:t>Integer</a:t>
-            </a:r>
-            <a:r>
-              <a:rPr lang="fr-FR" dirty="0"/>
-              <a:t>&gt;(</a:t>
-            </a:r>
-            <a:r>
-              <a:rPr lang="fr-FR" dirty="0" err="1"/>
-              <a:t>combLen</a:t>
-            </a:r>
-            <a:r>
-              <a:rPr lang="fr-FR" dirty="0"/>
-              <a:t>); // Mémorise toutes les valeurs justes</a:t>
-            </a:r>
           </a:p>
         </p:txBody>
       </p:sp>
     </p:spTree>
     <p:extLst>
       <p:ext uri="{BB962C8B-B14F-4D97-AF65-F5344CB8AC3E}">
-        <p14:creationId xmlns:p14="http://schemas.microsoft.com/office/powerpoint/2010/main" val="3843957454"/>
+        <p14:creationId xmlns:p14="http://schemas.microsoft.com/office/powerpoint/2010/main" val="3664880145"/>
       </p:ext>
     </p:extLst>
   </p:cSld>
   <p:clrMapOvr>
     <a:masterClrMapping/>
   </p:clrMapOvr>
+  <p:timing>
+    <p:tnLst>
+      <p:par>
+        <p:cTn id="1" dur="indefinite" restart="never" nodeType="tmRoot"/>
+      </p:par>
+    </p:tnLst>
+  </p:timing>
 </p:sld>
 </file>
 
@@ -4384,7 +4124,7 @@
           <a:p>
             <a:r>
               <a:rPr lang="fr-FR" dirty="0" smtClean="0"/>
-              <a:t>Class Game</a:t>
+              <a:t>Class Settings</a:t>
             </a:r>
             <a:endParaRPr lang="fr-FR" dirty="0"/>
           </a:p>
@@ -4402,53 +4142,52 @@
         </p:nvSpPr>
         <p:spPr/>
         <p:txBody>
-          <a:bodyPr/>
+          <a:bodyPr>
+            <a:normAutofit fontScale="47500" lnSpcReduction="20000"/>
+          </a:bodyPr>
           <a:lstStyle/>
           <a:p>
             <a:r>
-              <a:rPr lang="fr-FR" dirty="0" smtClean="0"/>
-              <a:t>Méthode </a:t>
+              <a:rPr lang="fr-FR" sz="3800" dirty="0"/>
+              <a:t>Chargement des paramètres depuis le fichier </a:t>
+            </a:r>
+            <a:r>
+              <a:rPr lang="fr-FR" sz="3800" dirty="0" err="1"/>
+              <a:t>settings.properties</a:t>
+            </a:r>
+            <a:endParaRPr lang="fr-FR" sz="3800" dirty="0"/>
+          </a:p>
+          <a:p>
+            <a:pPr marL="0" indent="0">
+              <a:buNone/>
+            </a:pPr>
+            <a:r>
+              <a:rPr lang="fr-FR" dirty="0" smtClean="0"/>
+              <a:t> </a:t>
+            </a:r>
+            <a:r>
+              <a:rPr lang="fr-FR" dirty="0"/>
+              <a:t>Initialisation des </a:t>
+            </a:r>
+            <a:r>
+              <a:rPr lang="fr-FR" dirty="0" smtClean="0"/>
+              <a:t>3 </a:t>
+            </a:r>
+            <a:r>
+              <a:rPr lang="fr-FR" dirty="0"/>
+              <a:t>listes </a:t>
+            </a:r>
+            <a:r>
+              <a:rPr lang="fr-FR" dirty="0" err="1"/>
+              <a:t>integer</a:t>
+            </a:r>
+            <a:r>
+              <a:rPr lang="fr-FR" dirty="0"/>
+              <a:t> en fonction de </a:t>
             </a:r>
             <a:r>
               <a:rPr lang="fr-FR" dirty="0" err="1" smtClean="0"/>
-              <a:t>play</a:t>
-            </a:r>
-            <a:r>
-              <a:rPr lang="fr-FR" dirty="0" smtClean="0"/>
-              <a:t> : LANCEMENT </a:t>
-            </a:r>
-            <a:r>
-              <a:rPr lang="fr-FR" dirty="0"/>
-              <a:t>DU JEU : Choix du mode</a:t>
-            </a:r>
-            <a:br>
-              <a:rPr lang="fr-FR" dirty="0"/>
-            </a:br>
-            <a:r>
-              <a:rPr lang="fr-FR" dirty="0" err="1"/>
-              <a:t>MODE</a:t>
-            </a:r>
-            <a:r>
-              <a:rPr lang="fr-FR" dirty="0"/>
-              <a:t> DE JEU : 1 - CHALLENGER, 2 - DEFENDER, 3 </a:t>
-            </a:r>
-            <a:r>
-              <a:rPr lang="fr-FR" dirty="0" smtClean="0"/>
-              <a:t>– DUAL</a:t>
-            </a:r>
-            <a:br>
-              <a:rPr lang="fr-FR" dirty="0" smtClean="0"/>
-            </a:br>
-            <a:r>
-              <a:rPr lang="fr-FR" dirty="0" smtClean="0"/>
-              <a:t>Taper 1, 2 ou 3 pour choisir un mode de jeu</a:t>
-            </a:r>
-            <a:br>
-              <a:rPr lang="fr-FR" dirty="0" smtClean="0"/>
-            </a:br>
-            <a:r>
-              <a:rPr lang="fr-FR" dirty="0" smtClean="0"/>
-              <a:t>Taper 123 pour activer le mode développeur</a:t>
+              <a:t>combLen</a:t>
             </a:r>
             <a:endParaRPr lang="fr-FR" dirty="0" smtClean="0"/>
           </a:p>
@@ -4460,37 +4199,348 @@
           </a:p>
           <a:p>
             <a:r>
-              <a:rPr lang="fr-FR" dirty="0"/>
-              <a:t>Méthode </a:t>
-            </a:r>
+              <a:rPr lang="fr-FR" sz="3800" dirty="0"/>
+              <a:t>Remise à </a:t>
+            </a:r>
+            <a:r>
+              <a:rPr lang="fr-FR" sz="3800" dirty="0" err="1"/>
+              <a:t>zèro</a:t>
+            </a:r>
+            <a:r>
+              <a:rPr lang="fr-FR" sz="3800" dirty="0"/>
+              <a:t> des 3 listes </a:t>
+            </a:r>
+            <a:r>
+              <a:rPr lang="fr-FR" sz="3800" dirty="0" err="1"/>
+              <a:t>integer</a:t>
+            </a:r>
+            <a:r>
+              <a:rPr lang="fr-FR" sz="3800" dirty="0"/>
+              <a:t> (pour le mode defender et dual uniquement), joueur </a:t>
+            </a:r>
+            <a:r>
+              <a:rPr lang="fr-FR" sz="3800" dirty="0" smtClean="0"/>
+              <a:t>CPU</a:t>
+            </a:r>
+          </a:p>
+          <a:p>
+            <a:endParaRPr lang="fr-FR" dirty="0" smtClean="0"/>
+          </a:p>
+          <a:p>
+            <a:pPr marL="0" indent="0">
+              <a:buNone/>
+            </a:pPr>
+            <a:r>
+              <a:rPr lang="fr-FR" dirty="0" err="1"/>
+              <a:t>static</a:t>
+            </a:r>
+            <a:r>
+              <a:rPr lang="fr-FR" dirty="0"/>
+              <a:t> </a:t>
+            </a:r>
+            <a:r>
+              <a:rPr lang="fr-FR" dirty="0" err="1"/>
+              <a:t>int</a:t>
+            </a:r>
+            <a:r>
+              <a:rPr lang="fr-FR" dirty="0"/>
+              <a:t> </a:t>
+            </a:r>
+            <a:r>
+              <a:rPr lang="fr-FR" dirty="0" err="1"/>
+              <a:t>combLen</a:t>
+            </a:r>
+            <a:r>
+              <a:rPr lang="fr-FR" dirty="0"/>
+              <a:t>; // </a:t>
+            </a:r>
+            <a:r>
+              <a:rPr lang="fr-FR" dirty="0" err="1"/>
+              <a:t>nbr</a:t>
+            </a:r>
+            <a:r>
+              <a:rPr lang="fr-FR" dirty="0"/>
+              <a:t> de chiffres de la combinaison par défaut à charger depuis les paramètres </a:t>
+            </a:r>
+            <a:r>
+              <a:rPr lang="fr-FR" dirty="0" err="1"/>
+              <a:t>xml</a:t>
+            </a:r>
+            <a:endParaRPr lang="fr-FR" dirty="0"/>
+          </a:p>
+          <a:p>
+            <a:pPr marL="0" indent="0">
+              <a:buNone/>
+            </a:pPr>
             <a:r>
               <a:rPr lang="fr-FR" dirty="0" err="1" smtClean="0"/>
-              <a:t>replay</a:t>
-            </a:r>
-            <a:r>
-              <a:rPr lang="fr-FR" dirty="0" smtClean="0"/>
-              <a:t> : </a:t>
-            </a:r>
-            <a:r>
-              <a:rPr lang="fr-FR" dirty="0" smtClean="0"/>
-              <a:t>permet </a:t>
-            </a:r>
-            <a:r>
-              <a:rPr lang="fr-FR" dirty="0"/>
-              <a:t>de relancer une partie ou </a:t>
-            </a:r>
-            <a:r>
-              <a:rPr lang="fr-FR" dirty="0" smtClean="0"/>
-              <a:t>quitter le projet</a:t>
+              <a:t>static</a:t>
+            </a:r>
+            <a:r>
+              <a:rPr lang="fr-FR" dirty="0" smtClean="0"/>
+              <a:t> </a:t>
+            </a:r>
+            <a:r>
+              <a:rPr lang="fr-FR" dirty="0" err="1"/>
+              <a:t>int</a:t>
+            </a:r>
+            <a:r>
+              <a:rPr lang="fr-FR" dirty="0"/>
+              <a:t> </a:t>
+            </a:r>
+            <a:r>
+              <a:rPr lang="fr-FR" dirty="0" err="1"/>
+              <a:t>nbTryLimit</a:t>
+            </a:r>
+            <a:r>
+              <a:rPr lang="fr-FR" dirty="0"/>
+              <a:t>; // nombre d'essais autorisés avant de trouver la bonne solution</a:t>
+            </a:r>
+          </a:p>
+          <a:p>
+            <a:pPr marL="0" indent="0">
+              <a:buNone/>
+            </a:pPr>
+            <a:r>
+              <a:rPr lang="fr-FR" dirty="0" err="1" smtClean="0"/>
+              <a:t>static</a:t>
+            </a:r>
+            <a:r>
+              <a:rPr lang="fr-FR" dirty="0" smtClean="0"/>
+              <a:t> </a:t>
+            </a:r>
+            <a:r>
+              <a:rPr lang="fr-FR" dirty="0" err="1"/>
+              <a:t>boolean</a:t>
+            </a:r>
+            <a:r>
+              <a:rPr lang="fr-FR" dirty="0"/>
+              <a:t> </a:t>
+            </a:r>
+            <a:r>
+              <a:rPr lang="fr-FR" dirty="0" err="1"/>
+              <a:t>devMode</a:t>
+            </a:r>
+            <a:r>
+              <a:rPr lang="fr-FR" dirty="0"/>
+              <a:t>; // false Normal - </a:t>
+            </a:r>
+            <a:r>
+              <a:rPr lang="fr-FR" dirty="0" err="1"/>
+              <a:t>true</a:t>
+            </a:r>
+            <a:r>
+              <a:rPr lang="fr-FR" dirty="0"/>
+              <a:t> Mode Développeur</a:t>
+            </a:r>
+          </a:p>
+          <a:p>
+            <a:pPr marL="0" indent="0">
+              <a:buNone/>
+            </a:pPr>
+            <a:r>
+              <a:rPr lang="fr-FR" dirty="0" err="1" smtClean="0"/>
+              <a:t>static</a:t>
+            </a:r>
+            <a:r>
+              <a:rPr lang="fr-FR" dirty="0" smtClean="0"/>
+              <a:t> </a:t>
+            </a:r>
+            <a:r>
+              <a:rPr lang="fr-FR" dirty="0"/>
+              <a:t>String </a:t>
+            </a:r>
+            <a:r>
+              <a:rPr lang="fr-FR" dirty="0" err="1"/>
+              <a:t>winReply</a:t>
+            </a:r>
+            <a:r>
+              <a:rPr lang="fr-FR" dirty="0"/>
+              <a:t> = ""; // Résultat de la combinaison à obtenir (=) x </a:t>
+            </a:r>
+            <a:r>
+              <a:rPr lang="fr-FR" dirty="0" err="1"/>
+              <a:t>combLen</a:t>
             </a:r>
             <a:endParaRPr lang="fr-FR" dirty="0"/>
+          </a:p>
+          <a:p>
+            <a:pPr marL="0" indent="0">
+              <a:buNone/>
+            </a:pPr>
+            <a:r>
+              <a:rPr lang="fr-FR" dirty="0" err="1" smtClean="0"/>
+              <a:t>static</a:t>
+            </a:r>
+            <a:r>
+              <a:rPr lang="fr-FR" dirty="0" smtClean="0"/>
+              <a:t> </a:t>
+            </a:r>
+            <a:r>
+              <a:rPr lang="fr-FR" dirty="0"/>
+              <a:t>List&lt;</a:t>
+            </a:r>
+            <a:r>
+              <a:rPr lang="fr-FR" dirty="0" err="1"/>
+              <a:t>Integer</a:t>
+            </a:r>
+            <a:r>
+              <a:rPr lang="fr-FR" dirty="0"/>
+              <a:t>&gt; </a:t>
+            </a:r>
+            <a:r>
+              <a:rPr lang="fr-FR" dirty="0" err="1"/>
+              <a:t>maxValues</a:t>
+            </a:r>
+            <a:r>
+              <a:rPr lang="fr-FR" dirty="0"/>
+              <a:t> = new </a:t>
+            </a:r>
+            <a:r>
+              <a:rPr lang="fr-FR" dirty="0" err="1"/>
+              <a:t>ArrayList</a:t>
+            </a:r>
+            <a:r>
+              <a:rPr lang="fr-FR" dirty="0"/>
+              <a:t>&lt;</a:t>
+            </a:r>
+            <a:r>
+              <a:rPr lang="fr-FR" dirty="0" err="1"/>
+              <a:t>Integer</a:t>
+            </a:r>
+            <a:r>
+              <a:rPr lang="fr-FR" dirty="0"/>
+              <a:t>&gt;(</a:t>
+            </a:r>
+            <a:r>
+              <a:rPr lang="fr-FR" dirty="0" err="1"/>
+              <a:t>combLen</a:t>
+            </a:r>
+            <a:r>
+              <a:rPr lang="fr-FR" dirty="0"/>
+              <a:t>); // Mémorise toutes les valeurs max</a:t>
+            </a:r>
+          </a:p>
+          <a:p>
+            <a:pPr marL="0" indent="0">
+              <a:buNone/>
+            </a:pPr>
+            <a:r>
+              <a:rPr lang="fr-FR" dirty="0" err="1" smtClean="0"/>
+              <a:t>static</a:t>
+            </a:r>
+            <a:r>
+              <a:rPr lang="fr-FR" dirty="0" smtClean="0"/>
+              <a:t> </a:t>
+            </a:r>
+            <a:r>
+              <a:rPr lang="fr-FR" dirty="0"/>
+              <a:t>List&lt;</a:t>
+            </a:r>
+            <a:r>
+              <a:rPr lang="fr-FR" dirty="0" err="1"/>
+              <a:t>Integer</a:t>
+            </a:r>
+            <a:r>
+              <a:rPr lang="fr-FR" dirty="0"/>
+              <a:t>&gt; </a:t>
+            </a:r>
+            <a:r>
+              <a:rPr lang="fr-FR" dirty="0" err="1"/>
+              <a:t>minValues</a:t>
+            </a:r>
+            <a:r>
+              <a:rPr lang="fr-FR" dirty="0"/>
+              <a:t> = new </a:t>
+            </a:r>
+            <a:r>
+              <a:rPr lang="fr-FR" dirty="0" err="1"/>
+              <a:t>ArrayList</a:t>
+            </a:r>
+            <a:r>
+              <a:rPr lang="fr-FR" dirty="0"/>
+              <a:t>&lt;</a:t>
+            </a:r>
+            <a:r>
+              <a:rPr lang="fr-FR" dirty="0" err="1"/>
+              <a:t>Integer</a:t>
+            </a:r>
+            <a:r>
+              <a:rPr lang="fr-FR" dirty="0"/>
+              <a:t>&gt;(</a:t>
+            </a:r>
+            <a:r>
+              <a:rPr lang="fr-FR" dirty="0" err="1"/>
+              <a:t>combLen</a:t>
+            </a:r>
+            <a:r>
+              <a:rPr lang="fr-FR" dirty="0"/>
+              <a:t>); // Mémorise toutes les valeurs min</a:t>
+            </a:r>
+          </a:p>
+          <a:p>
+            <a:pPr marL="0" indent="0">
+              <a:buNone/>
+            </a:pPr>
+            <a:r>
+              <a:rPr lang="fr-FR" dirty="0" err="1" smtClean="0"/>
+              <a:t>static</a:t>
+            </a:r>
+            <a:r>
+              <a:rPr lang="fr-FR" dirty="0" smtClean="0"/>
+              <a:t> </a:t>
+            </a:r>
+            <a:r>
+              <a:rPr lang="fr-FR" dirty="0"/>
+              <a:t>List&lt;</a:t>
+            </a:r>
+            <a:r>
+              <a:rPr lang="fr-FR" dirty="0" err="1"/>
+              <a:t>Integer</a:t>
+            </a:r>
+            <a:r>
+              <a:rPr lang="fr-FR" dirty="0"/>
+              <a:t>&gt; </a:t>
+            </a:r>
+            <a:r>
+              <a:rPr lang="fr-FR" dirty="0" err="1"/>
+              <a:t>theValues</a:t>
+            </a:r>
+            <a:r>
+              <a:rPr lang="fr-FR" dirty="0"/>
+              <a:t> = new </a:t>
+            </a:r>
+            <a:r>
+              <a:rPr lang="fr-FR" dirty="0" err="1"/>
+              <a:t>ArrayList</a:t>
+            </a:r>
+            <a:r>
+              <a:rPr lang="fr-FR" dirty="0"/>
+              <a:t>&lt;</a:t>
+            </a:r>
+            <a:r>
+              <a:rPr lang="fr-FR" dirty="0" err="1"/>
+              <a:t>Integer</a:t>
+            </a:r>
+            <a:r>
+              <a:rPr lang="fr-FR" dirty="0"/>
+              <a:t>&gt;(</a:t>
+            </a:r>
+            <a:r>
+              <a:rPr lang="fr-FR" dirty="0" err="1"/>
+              <a:t>combLen</a:t>
+            </a:r>
+            <a:r>
+              <a:rPr lang="fr-FR" dirty="0"/>
+              <a:t>); // Mémorise toutes les valeurs justes</a:t>
+            </a:r>
           </a:p>
         </p:txBody>
       </p:sp>
     </p:spTree>
     <p:extLst>
       <p:ext uri="{BB962C8B-B14F-4D97-AF65-F5344CB8AC3E}">
-        <p14:creationId xmlns:p14="http://schemas.microsoft.com/office/powerpoint/2010/main" val="2069567082"/>
+        <p14:creationId xmlns:p14="http://schemas.microsoft.com/office/powerpoint/2010/main" val="3843957454"/>
       </p:ext>
     </p:extLst>
   </p:cSld>
@@ -4534,7 +4584,7 @@
           <a:p>
             <a:r>
               <a:rPr lang="fr-FR" dirty="0" smtClean="0"/>
-              <a:t>Class Mode (abstract)</a:t>
+              <a:t>Class Game</a:t>
             </a:r>
             <a:endParaRPr lang="fr-FR" dirty="0"/>
           </a:p>
@@ -4550,142 +4600,159 @@
             <p:ph idx="1"/>
           </p:nvPr>
         </p:nvSpPr>
-        <p:spPr/>
-        <p:txBody>
-          <a:bodyPr/>
+        <p:spPr>
+          <a:xfrm>
+            <a:off x="1238596" y="1521228"/>
+            <a:ext cx="3865418" cy="5178830"/>
+          </a:xfrm>
+        </p:spPr>
+        <p:txBody>
+          <a:bodyPr>
+            <a:normAutofit/>
+          </a:bodyPr>
           <a:lstStyle/>
           <a:p>
             <a:r>
+              <a:rPr lang="fr-FR" dirty="0" smtClean="0"/>
+              <a:t>Méthode </a:t>
+            </a:r>
+            <a:r>
+              <a:rPr lang="fr-FR" dirty="0" err="1" smtClean="0"/>
+              <a:t>play</a:t>
+            </a:r>
+            <a:r>
+              <a:rPr lang="fr-FR" dirty="0" smtClean="0"/>
+              <a:t> : LANCEMENT </a:t>
+            </a:r>
+            <a:r>
+              <a:rPr lang="fr-FR" dirty="0"/>
+              <a:t>DU JEU : Choix du mode</a:t>
+            </a:r>
+            <a:br>
+              <a:rPr lang="fr-FR" dirty="0"/>
+            </a:br>
+            <a:r>
               <a:rPr lang="fr-FR" dirty="0" err="1"/>
-              <a:t>Combination</a:t>
-            </a:r>
-            <a:r>
-              <a:rPr lang="fr-FR" dirty="0"/>
-              <a:t> </a:t>
-            </a:r>
-            <a:r>
-              <a:rPr lang="fr-FR" dirty="0" err="1"/>
-              <a:t>combination</a:t>
-            </a:r>
-            <a:r>
-              <a:rPr lang="fr-FR" dirty="0"/>
-              <a:t> = new </a:t>
-            </a:r>
-            <a:r>
-              <a:rPr lang="fr-FR" dirty="0" err="1"/>
-              <a:t>Combination</a:t>
-            </a:r>
-            <a:r>
-              <a:rPr lang="fr-FR" dirty="0"/>
-              <a:t>();</a:t>
-            </a:r>
-          </a:p>
-          <a:p>
-            <a:r>
-              <a:rPr lang="fr-FR" dirty="0"/>
-              <a:t>    </a:t>
-            </a:r>
-            <a:r>
-              <a:rPr lang="fr-FR" dirty="0" err="1"/>
-              <a:t>Result</a:t>
-            </a:r>
-            <a:r>
-              <a:rPr lang="fr-FR" dirty="0"/>
-              <a:t> </a:t>
-            </a:r>
-            <a:r>
-              <a:rPr lang="fr-FR" dirty="0" err="1"/>
-              <a:t>result</a:t>
-            </a:r>
-            <a:r>
-              <a:rPr lang="fr-FR" dirty="0"/>
-              <a:t> = new </a:t>
-            </a:r>
-            <a:r>
-              <a:rPr lang="fr-FR" dirty="0" err="1"/>
-              <a:t>Result</a:t>
-            </a:r>
-            <a:r>
-              <a:rPr lang="fr-FR" dirty="0"/>
-              <a:t>();</a:t>
-            </a:r>
-          </a:p>
-          <a:p>
-            <a:r>
-              <a:rPr lang="fr-FR" dirty="0"/>
-              <a:t>    </a:t>
-            </a:r>
-            <a:r>
-              <a:rPr lang="fr-FR" dirty="0" err="1"/>
-              <a:t>int</a:t>
-            </a:r>
-            <a:r>
-              <a:rPr lang="fr-FR" dirty="0"/>
-              <a:t> </a:t>
-            </a:r>
-            <a:r>
-              <a:rPr lang="fr-FR" dirty="0" err="1"/>
-              <a:t>nbTry</a:t>
-            </a:r>
-            <a:r>
-              <a:rPr lang="fr-FR" dirty="0"/>
-              <a:t> = 0;</a:t>
-            </a:r>
-          </a:p>
-          <a:p>
-            <a:r>
-              <a:rPr lang="fr-FR" dirty="0"/>
-              <a:t>    </a:t>
-            </a:r>
-            <a:r>
-              <a:rPr lang="fr-FR" dirty="0" err="1"/>
-              <a:t>boolean</a:t>
-            </a:r>
-            <a:r>
-              <a:rPr lang="fr-FR" dirty="0"/>
-              <a:t> </a:t>
-            </a:r>
-            <a:r>
-              <a:rPr lang="fr-FR" dirty="0" err="1"/>
-              <a:t>gameIsOver</a:t>
-            </a:r>
-            <a:r>
-              <a:rPr lang="fr-FR" dirty="0"/>
-              <a:t> = false;</a:t>
-            </a:r>
-          </a:p>
-          <a:p>
-            <a:r>
-              <a:rPr lang="fr-FR" dirty="0"/>
-              <a:t>    String secret = ""; // Combinaison secrète</a:t>
-            </a:r>
-          </a:p>
-          <a:p>
-            <a:r>
-              <a:rPr lang="fr-FR" dirty="0"/>
-              <a:t>    String input = "";  // Suggestion saisie par l'utilisateur</a:t>
-            </a:r>
-          </a:p>
-          <a:p>
-            <a:r>
-              <a:rPr lang="fr-FR" dirty="0"/>
-              <a:t>    String </a:t>
-            </a:r>
-            <a:r>
-              <a:rPr lang="fr-FR" dirty="0" err="1"/>
-              <a:t>reply</a:t>
-            </a:r>
-            <a:r>
-              <a:rPr lang="fr-FR" dirty="0"/>
-              <a:t> = ""; // Résultat après comparaison (+ - =)</a:t>
-            </a:r>
-          </a:p>
-        </p:txBody>
-      </p:sp>
+              <a:t>MODE</a:t>
+            </a:r>
+            <a:r>
+              <a:rPr lang="fr-FR" dirty="0"/>
+              <a:t> DE JEU : 1 - CHALLENGER, 2 - DEFENDER, 3 </a:t>
+            </a:r>
+            <a:r>
+              <a:rPr lang="fr-FR" dirty="0" smtClean="0"/>
+              <a:t>– DUAL</a:t>
+            </a:r>
+            <a:br>
+              <a:rPr lang="fr-FR" dirty="0" smtClean="0"/>
+            </a:br>
+            <a:r>
+              <a:rPr lang="fr-FR" dirty="0" smtClean="0"/>
+              <a:t>Taper 1, 2 ou 3 pour choisir un mode de jeu</a:t>
+            </a:r>
+            <a:br>
+              <a:rPr lang="fr-FR" dirty="0" smtClean="0"/>
+            </a:br>
+            <a:r>
+              <a:rPr lang="fr-FR" dirty="0" smtClean="0"/>
+              <a:t>Taper 123 pour activer le mode développeur</a:t>
+            </a:r>
+          </a:p>
+          <a:p>
+            <a:pPr marL="0" indent="0">
+              <a:buNone/>
+            </a:pPr>
+            <a:endParaRPr lang="fr-FR" dirty="0"/>
+          </a:p>
+          <a:p>
+            <a:r>
+              <a:rPr lang="fr-FR" dirty="0"/>
+              <a:t>Méthode </a:t>
+            </a:r>
+            <a:r>
+              <a:rPr lang="fr-FR" dirty="0" err="1" smtClean="0"/>
+              <a:t>replay</a:t>
+            </a:r>
+            <a:r>
+              <a:rPr lang="fr-FR" dirty="0" smtClean="0"/>
+              <a:t> : permet </a:t>
+            </a:r>
+            <a:r>
+              <a:rPr lang="fr-FR" dirty="0"/>
+              <a:t>de relancer une partie ou </a:t>
+            </a:r>
+            <a:r>
+              <a:rPr lang="fr-FR" dirty="0" smtClean="0"/>
+              <a:t>quitter le projet</a:t>
+            </a:r>
+            <a:endParaRPr lang="fr-FR" dirty="0"/>
+          </a:p>
+        </p:txBody>
+      </p:sp>
+      <p:pic>
+        <p:nvPicPr>
+          <p:cNvPr id="4" name="Image 3"/>
+          <p:cNvPicPr>
+            <a:picLocks noChangeAspect="1"/>
+          </p:cNvPicPr>
+          <p:nvPr/>
+        </p:nvPicPr>
+        <p:blipFill>
+          <a:blip r:embed="rId2">
+            <a:extLst>
+              <a:ext uri="{28A0092B-C50C-407E-A947-70E740481C1C}">
+                <a14:useLocalDpi xmlns:a14="http://schemas.microsoft.com/office/drawing/2010/main" val="0"/>
+              </a:ext>
+            </a:extLst>
+          </a:blip>
+          <a:stretch>
+            <a:fillRect/>
+          </a:stretch>
+        </p:blipFill>
+        <p:spPr>
+          <a:xfrm>
+            <a:off x="5403273" y="340823"/>
+            <a:ext cx="6565814" cy="3427100"/>
+          </a:xfrm>
+          <a:prstGeom prst="rect">
+            <a:avLst/>
+          </a:prstGeom>
+        </p:spPr>
+      </p:pic>
+      <p:pic>
+        <p:nvPicPr>
+          <p:cNvPr id="5" name="Image 4"/>
+          <p:cNvPicPr>
+            <a:picLocks noChangeAspect="1"/>
+          </p:cNvPicPr>
+          <p:nvPr/>
+        </p:nvPicPr>
+        <p:blipFill>
+          <a:blip r:embed="rId3">
+            <a:extLst>
+              <a:ext uri="{28A0092B-C50C-407E-A947-70E740481C1C}">
+                <a14:useLocalDpi xmlns:a14="http://schemas.microsoft.com/office/drawing/2010/main" val="0"/>
+              </a:ext>
+            </a:extLst>
+          </a:blip>
+          <a:stretch>
+            <a:fillRect/>
+          </a:stretch>
+        </p:blipFill>
+        <p:spPr>
+          <a:xfrm>
+            <a:off x="5403273" y="4500994"/>
+            <a:ext cx="6483927" cy="1154335"/>
+          </a:xfrm>
+          <a:prstGeom prst="rect">
+            <a:avLst/>
+          </a:prstGeom>
+        </p:spPr>
+      </p:pic>
     </p:spTree>
     <p:extLst>
       <p:ext uri="{BB962C8B-B14F-4D97-AF65-F5344CB8AC3E}">
-        <p14:creationId xmlns:p14="http://schemas.microsoft.com/office/powerpoint/2010/main" val="2499716802"/>
+        <p14:creationId xmlns:p14="http://schemas.microsoft.com/office/powerpoint/2010/main" val="2069567082"/>
       </p:ext>
     </p:extLst>
   </p:cSld>
@@ -4728,17 +4795,10 @@
           <a:lstStyle/>
           <a:p>
             <a:r>
-              <a:rPr lang="fr-FR" dirty="0"/>
-              <a:t> Class Challenger </a:t>
-            </a:r>
-            <a:r>
-              <a:rPr lang="fr-FR" dirty="0" err="1"/>
-              <a:t>extends</a:t>
-            </a:r>
-            <a:r>
-              <a:rPr lang="fr-FR" dirty="0"/>
-              <a:t> Mode</a:t>
-            </a:r>
+              <a:rPr lang="fr-FR" dirty="0" smtClean="0"/>
+              <a:t>Class Mode (abstract)</a:t>
+            </a:r>
+            <a:endParaRPr lang="fr-FR" dirty="0"/>
           </a:p>
         </p:txBody>
       </p:sp>
@@ -4758,103 +4818,136 @@
           <a:lstStyle/>
           <a:p>
             <a:r>
-              <a:rPr lang="fr-FR" dirty="0"/>
-              <a:t>@</a:t>
-            </a:r>
-            <a:r>
-              <a:rPr lang="fr-FR" dirty="0" err="1" smtClean="0"/>
-              <a:t>Override</a:t>
-            </a:r>
-            <a:r>
-              <a:rPr lang="fr-FR" dirty="0" smtClean="0"/>
-              <a:t> méthode « </a:t>
-            </a:r>
-            <a:r>
-              <a:rPr lang="fr-FR" dirty="0" err="1" smtClean="0"/>
-              <a:t>run</a:t>
-            </a:r>
-            <a:r>
-              <a:rPr lang="fr-FR" dirty="0" smtClean="0"/>
-              <a:t> » de la classe Mode</a:t>
-            </a:r>
-          </a:p>
-          <a:p>
-            <a:r>
-              <a:rPr lang="fr-FR" dirty="0" smtClean="0"/>
-              <a:t>Génère une combinaison secrète aléatoire à x </a:t>
-            </a:r>
-            <a:r>
-              <a:rPr lang="fr-FR" dirty="0" err="1" smtClean="0"/>
-              <a:t>charactères</a:t>
-            </a:r>
-            <a:r>
-              <a:rPr lang="fr-FR" dirty="0" smtClean="0"/>
-              <a:t> (en fonction de la valeur </a:t>
-            </a:r>
-            <a:r>
-              <a:rPr lang="fr-FR" dirty="0" err="1" smtClean="0"/>
-              <a:t>combLen</a:t>
-            </a:r>
-            <a:r>
-              <a:rPr lang="fr-FR" dirty="0" smtClean="0"/>
-              <a:t> du fichier </a:t>
-            </a:r>
-            <a:r>
-              <a:rPr lang="fr-FR" dirty="0" err="1" smtClean="0"/>
-              <a:t>settings.properties</a:t>
-            </a:r>
-            <a:r>
-              <a:rPr lang="fr-FR" dirty="0" smtClean="0"/>
-              <a:t>)</a:t>
-            </a:r>
-          </a:p>
-          <a:p>
-            <a:r>
-              <a:rPr lang="fr-FR" dirty="0" smtClean="0"/>
-              <a:t>Peut afficher la solution si le mode DEV est activé</a:t>
-            </a:r>
-          </a:p>
-          <a:p>
-            <a:r>
-              <a:rPr lang="fr-FR" dirty="0" smtClean="0"/>
-              <a:t>Compteur d’essai (</a:t>
-            </a:r>
-            <a:r>
-              <a:rPr lang="fr-FR" dirty="0" err="1" smtClean="0"/>
+              <a:rPr lang="fr-FR" dirty="0" err="1"/>
+              <a:t>Combination</a:t>
+            </a:r>
+            <a:r>
+              <a:rPr lang="fr-FR" dirty="0"/>
+              <a:t> </a:t>
+            </a:r>
+            <a:r>
+              <a:rPr lang="fr-FR" dirty="0" err="1"/>
+              <a:t>combination</a:t>
+            </a:r>
+            <a:r>
+              <a:rPr lang="fr-FR" dirty="0"/>
+              <a:t> = new </a:t>
+            </a:r>
+            <a:r>
+              <a:rPr lang="fr-FR" dirty="0" err="1"/>
+              <a:t>Combination</a:t>
+            </a:r>
+            <a:r>
+              <a:rPr lang="fr-FR" dirty="0"/>
+              <a:t>();</a:t>
+            </a:r>
+          </a:p>
+          <a:p>
+            <a:r>
+              <a:rPr lang="fr-FR" dirty="0"/>
+              <a:t>    </a:t>
+            </a:r>
+            <a:r>
+              <a:rPr lang="fr-FR" dirty="0" err="1"/>
+              <a:t>Result</a:t>
+            </a:r>
+            <a:r>
+              <a:rPr lang="fr-FR" dirty="0"/>
+              <a:t> </a:t>
+            </a:r>
+            <a:r>
+              <a:rPr lang="fr-FR" dirty="0" err="1"/>
+              <a:t>result</a:t>
+            </a:r>
+            <a:r>
+              <a:rPr lang="fr-FR" dirty="0"/>
+              <a:t> = new </a:t>
+            </a:r>
+            <a:r>
+              <a:rPr lang="fr-FR" dirty="0" err="1"/>
+              <a:t>Result</a:t>
+            </a:r>
+            <a:r>
+              <a:rPr lang="fr-FR" dirty="0"/>
+              <a:t>();</a:t>
+            </a:r>
+          </a:p>
+          <a:p>
+            <a:r>
+              <a:rPr lang="fr-FR" dirty="0"/>
+              <a:t>    </a:t>
+            </a:r>
+            <a:r>
+              <a:rPr lang="fr-FR" dirty="0" err="1"/>
+              <a:t>int</a:t>
+            </a:r>
+            <a:r>
+              <a:rPr lang="fr-FR" dirty="0"/>
+              <a:t> </a:t>
+            </a:r>
+            <a:r>
+              <a:rPr lang="fr-FR" dirty="0" err="1"/>
               <a:t>nbTry</a:t>
             </a:r>
             <a:r>
-              <a:rPr lang="fr-FR" dirty="0" smtClean="0"/>
-              <a:t>)</a:t>
-            </a:r>
-          </a:p>
-          <a:p>
-            <a:r>
-              <a:rPr lang="fr-FR" dirty="0" smtClean="0"/>
-              <a:t>Demande à l’utilisateur de saisir une combinaison, puis affichage, compare la combinaison saisie par rapport à la combinaison secrète puis affichage du résultat</a:t>
-            </a:r>
-          </a:p>
-          <a:p>
-            <a:r>
-              <a:rPr lang="fr-FR" dirty="0" smtClean="0"/>
-              <a:t>Il y a un control de saisie (nombre de </a:t>
-            </a:r>
-            <a:r>
-              <a:rPr lang="fr-FR" dirty="0" err="1" smtClean="0"/>
-              <a:t>charatères</a:t>
-            </a:r>
-            <a:r>
-              <a:rPr lang="fr-FR" dirty="0" smtClean="0"/>
-              <a:t> + un test si tous les caractères sont bien des chiffres</a:t>
-            </a:r>
-            <a:endParaRPr lang="fr-FR" dirty="0"/>
+              <a:rPr lang="fr-FR" dirty="0"/>
+              <a:t> = 0;</a:t>
+            </a:r>
+          </a:p>
+          <a:p>
+            <a:r>
+              <a:rPr lang="fr-FR" dirty="0"/>
+              <a:t>    </a:t>
+            </a:r>
+            <a:r>
+              <a:rPr lang="fr-FR" dirty="0" err="1"/>
+              <a:t>boolean</a:t>
+            </a:r>
+            <a:r>
+              <a:rPr lang="fr-FR" dirty="0"/>
+              <a:t> </a:t>
+            </a:r>
+            <a:r>
+              <a:rPr lang="fr-FR" dirty="0" err="1"/>
+              <a:t>gameIsOver</a:t>
+            </a:r>
+            <a:r>
+              <a:rPr lang="fr-FR" dirty="0"/>
+              <a:t> = false;</a:t>
+            </a:r>
+          </a:p>
+          <a:p>
+            <a:r>
+              <a:rPr lang="fr-FR" dirty="0"/>
+              <a:t>    String secret = ""; // Combinaison secrète</a:t>
+            </a:r>
+          </a:p>
+          <a:p>
+            <a:r>
+              <a:rPr lang="fr-FR" dirty="0"/>
+              <a:t>    String input = "";  // Suggestion saisie par l'utilisateur</a:t>
+            </a:r>
+          </a:p>
+          <a:p>
+            <a:r>
+              <a:rPr lang="fr-FR" dirty="0"/>
+              <a:t>    String </a:t>
+            </a:r>
+            <a:r>
+              <a:rPr lang="fr-FR" dirty="0" err="1"/>
+              <a:t>reply</a:t>
+            </a:r>
+            <a:r>
+              <a:rPr lang="fr-FR" dirty="0"/>
+              <a:t> = ""; // Résultat après comparaison (+ - =)</a:t>
+            </a:r>
           </a:p>
         </p:txBody>
       </p:sp>
     </p:spTree>
     <p:extLst>
       <p:ext uri="{BB962C8B-B14F-4D97-AF65-F5344CB8AC3E}">
-        <p14:creationId xmlns:p14="http://schemas.microsoft.com/office/powerpoint/2010/main" val="474754497"/>
+        <p14:creationId xmlns:p14="http://schemas.microsoft.com/office/powerpoint/2010/main" val="2499716802"/>
       </p:ext>
     </p:extLst>
   </p:cSld>
@@ -4898,7 +4991,7 @@
           <a:p>
             <a:r>
               <a:rPr lang="fr-FR" dirty="0"/>
-              <a:t>Class defender </a:t>
+              <a:t> Class Challenger </a:t>
             </a:r>
             <a:r>
               <a:rPr lang="fr-FR" dirty="0" err="1"/>
@@ -4921,12 +5014,7 @@
             <p:ph idx="1"/>
           </p:nvPr>
         </p:nvSpPr>
-        <p:spPr>
-          <a:xfrm>
-            <a:off x="1371600" y="2302626"/>
-            <a:ext cx="9601200" cy="3581400"/>
-          </a:xfrm>
-        </p:spPr>
+        <p:spPr/>
         <p:txBody>
           <a:bodyPr/>
           <a:lstStyle/>
@@ -4941,153 +5029,85 @@
             </a:r>
             <a:r>
               <a:rPr lang="fr-FR" dirty="0" smtClean="0"/>
-              <a:t> </a:t>
-            </a:r>
-            <a:r>
-              <a:rPr lang="fr-FR" dirty="0"/>
-              <a:t>méthode « </a:t>
-            </a:r>
-            <a:r>
-              <a:rPr lang="fr-FR" dirty="0" err="1"/>
+              <a:t> méthode « </a:t>
+            </a:r>
+            <a:r>
+              <a:rPr lang="fr-FR" dirty="0" err="1" smtClean="0"/>
               <a:t>run</a:t>
             </a:r>
             <a:r>
-              <a:rPr lang="fr-FR" dirty="0"/>
-              <a:t> </a:t>
-            </a:r>
-            <a:r>
-              <a:rPr lang="fr-FR" dirty="0" smtClean="0"/>
-              <a:t>» </a:t>
-            </a:r>
-            <a:r>
-              <a:rPr lang="fr-FR" dirty="0"/>
-              <a:t>de la classe Mode</a:t>
-            </a:r>
-          </a:p>
-          <a:p>
-            <a:r>
-              <a:rPr lang="fr-FR" dirty="0" smtClean="0"/>
-              <a:t>Demande à l’utilisateur de créer sa combinaison secrète</a:t>
-            </a:r>
-          </a:p>
-          <a:p>
-            <a:r>
-              <a:rPr lang="fr-FR" dirty="0"/>
+              <a:rPr lang="fr-FR" dirty="0" smtClean="0"/>
+              <a:t> » de la classe Mode</a:t>
+            </a:r>
+          </a:p>
+          <a:p>
+            <a:r>
+              <a:rPr lang="fr-FR" dirty="0" smtClean="0"/>
+              <a:t>Génère une combinaison secrète aléatoire à x </a:t>
+            </a:r>
+            <a:r>
+              <a:rPr lang="fr-FR" dirty="0" err="1" smtClean="0"/>
+              <a:t>charactères</a:t>
+            </a:r>
+            <a:r>
+              <a:rPr lang="fr-FR" dirty="0" smtClean="0"/>
+              <a:t> (en fonction de la valeur </a:t>
+            </a:r>
+            <a:r>
+              <a:rPr lang="fr-FR" dirty="0" err="1" smtClean="0"/>
+              <a:t>combLen</a:t>
+            </a:r>
+            <a:r>
+              <a:rPr lang="fr-FR" dirty="0" smtClean="0"/>
+              <a:t> du fichier </a:t>
+            </a:r>
+            <a:r>
+              <a:rPr lang="fr-FR" dirty="0" err="1" smtClean="0"/>
+              <a:t>settings.properties</a:t>
+            </a:r>
+            <a:r>
+              <a:rPr lang="fr-FR" dirty="0" smtClean="0"/>
+              <a:t>)</a:t>
+            </a:r>
+          </a:p>
+          <a:p>
+            <a:r>
+              <a:rPr lang="fr-FR" dirty="0" smtClean="0"/>
+              <a:t>Peut afficher la solution si le mode DEV est activé</a:t>
+            </a:r>
+          </a:p>
+          <a:p>
+            <a:r>
+              <a:rPr lang="fr-FR" dirty="0" smtClean="0"/>
               <a:t>Compteur d’essai (</a:t>
             </a:r>
             <a:r>
-              <a:rPr lang="fr-FR" dirty="0" err="1"/>
+              <a:rPr lang="fr-FR" dirty="0" err="1" smtClean="0"/>
               <a:t>nbTry</a:t>
             </a:r>
             <a:r>
-              <a:rPr lang="fr-FR" dirty="0"/>
+              <a:rPr lang="fr-FR" dirty="0" smtClean="0"/>
               <a:t>)</a:t>
             </a:r>
           </a:p>
           <a:p>
             <a:r>
               <a:rPr lang="fr-FR" dirty="0" smtClean="0"/>
-              <a:t>L’IA de l’ordinateur trouve une combinaison (utilisation des </a:t>
+              <a:t>Demande à l’utilisateur de saisir une combinaison, puis affichage, compare la combinaison saisie par rapport à la combinaison secrète puis affichage du résultat</a:t>
+            </a:r>
+          </a:p>
+          <a:p>
+            <a:r>
+              <a:rPr lang="fr-FR" dirty="0" smtClean="0"/>
+              <a:t>Il y a un control de saisie (nombre de </a:t>
             </a:r>
             <a:r>
               <a:rPr lang="fr-FR" dirty="0" err="1" smtClean="0"/>
-              <a:t>static</a:t>
-            </a:r>
-            <a:r>
-              <a:rPr lang="fr-FR" dirty="0" smtClean="0"/>
-              <a:t> </a:t>
-            </a:r>
-            <a:r>
-              <a:rPr lang="fr-FR" dirty="0" err="1" smtClean="0"/>
-              <a:t>arraylist</a:t>
-            </a:r>
-            <a:r>
-              <a:rPr lang="fr-FR" dirty="0" smtClean="0"/>
-              <a:t> extensibles </a:t>
-            </a:r>
-            <a:r>
-              <a:rPr lang="fr-FR" dirty="0" err="1" smtClean="0"/>
-              <a:t>maxValues</a:t>
-            </a:r>
-            <a:r>
-              <a:rPr lang="fr-FR" dirty="0" smtClean="0"/>
-              <a:t>, </a:t>
-            </a:r>
-            <a:r>
-              <a:rPr lang="fr-FR" dirty="0" err="1" smtClean="0"/>
-              <a:t>minValues</a:t>
-            </a:r>
-            <a:r>
-              <a:rPr lang="fr-FR" dirty="0" smtClean="0"/>
-              <a:t> et </a:t>
-            </a:r>
-            <a:r>
-              <a:rPr lang="fr-FR" dirty="0" err="1" smtClean="0"/>
-              <a:t>theValues</a:t>
-            </a:r>
-            <a:r>
-              <a:rPr lang="fr-FR" dirty="0" smtClean="0"/>
-              <a:t> de la class Settings)</a:t>
-            </a:r>
-            <a:br>
-              <a:rPr lang="fr-FR" dirty="0" smtClean="0"/>
-            </a:br>
-            <a:r>
-              <a:rPr lang="fr-FR" dirty="0" smtClean="0"/>
-              <a:t>(</a:t>
-            </a:r>
-            <a:r>
-              <a:rPr lang="fr-FR" dirty="0" err="1" smtClean="0"/>
-              <a:t>max+min</a:t>
-            </a:r>
-            <a:r>
-              <a:rPr lang="fr-FR" dirty="0" smtClean="0"/>
-              <a:t>)/2</a:t>
-            </a:r>
-            <a:r>
-              <a:rPr lang="fr-FR" dirty="0"/>
-              <a:t>, // Si il ne reste que deux </a:t>
-            </a:r>
-            <a:r>
-              <a:rPr lang="fr-FR" dirty="0" err="1"/>
-              <a:t>possiblités</a:t>
-            </a:r>
-            <a:r>
-              <a:rPr lang="fr-FR" dirty="0"/>
-              <a:t> : </a:t>
-            </a:r>
-            <a:r>
-              <a:rPr lang="fr-FR" dirty="0" err="1"/>
-              <a:t>random</a:t>
-            </a:r>
-            <a:r>
-              <a:rPr lang="fr-FR" dirty="0"/>
-              <a:t> pour l'une ou </a:t>
-            </a:r>
-            <a:r>
-              <a:rPr lang="fr-FR" dirty="0" smtClean="0"/>
-              <a:t>l'autre.</a:t>
-            </a:r>
-            <a:br>
-              <a:rPr lang="fr-FR" dirty="0" smtClean="0"/>
-            </a:br>
-            <a:r>
-              <a:rPr lang="fr-FR" dirty="0" smtClean="0"/>
-              <a:t>Si le chiffre trouvé au tour précédent (min et max = 0, </a:t>
-            </a:r>
-            <a:r>
-              <a:rPr lang="fr-FR" dirty="0" err="1" smtClean="0"/>
-              <a:t>theValue</a:t>
-            </a:r>
-            <a:r>
-              <a:rPr lang="fr-FR" dirty="0" smtClean="0"/>
-              <a:t> contient le chiffre juste)</a:t>
-            </a:r>
-          </a:p>
-          <a:p>
-            <a:r>
-              <a:rPr lang="fr-FR" dirty="0" smtClean="0"/>
-              <a:t>Compare, affiche la combinaison et demande à l’utilisateur de saisir le résultat</a:t>
+              <a:t>charatères</a:t>
+            </a:r>
+            <a:r>
+              <a:rPr lang="fr-FR" dirty="0" smtClean="0"/>
+              <a:t> + un test si tous les caractères sont bien des chiffres</a:t>
             </a:r>
             <a:endParaRPr lang="fr-FR" dirty="0"/>
           </a:p>
@@ -5096,7 +5116,7 @@
     </p:spTree>
     <p:extLst>
       <p:ext uri="{BB962C8B-B14F-4D97-AF65-F5344CB8AC3E}">
-        <p14:creationId xmlns:p14="http://schemas.microsoft.com/office/powerpoint/2010/main" val="2680699173"/>
+        <p14:creationId xmlns:p14="http://schemas.microsoft.com/office/powerpoint/2010/main" val="474754497"/>
       </p:ext>
     </p:extLst>
   </p:cSld>
@@ -5138,55 +5158,43 @@
           <a:bodyPr/>
           <a:lstStyle/>
           <a:p>
-            <a:r>
-              <a:rPr lang="fr-FR" dirty="0" smtClean="0"/>
-              <a:t>Class Dual</a:t>
-            </a:r>
-            <a:endParaRPr lang="fr-FR" dirty="0"/>
-          </a:p>
-        </p:txBody>
-      </p:sp>
-      <p:sp>
-        <p:nvSpPr>
-          <p:cNvPr id="3" name="Espace réservé du contenu 2"/>
-          <p:cNvSpPr>
-            <a:spLocks noGrp="1"/>
-          </p:cNvSpPr>
+            <a:endParaRPr lang="fr-FR"/>
+          </a:p>
+        </p:txBody>
+      </p:sp>
+      <p:pic>
+        <p:nvPicPr>
+          <p:cNvPr id="4" name="Espace réservé du contenu 3"/>
+          <p:cNvPicPr>
+            <a:picLocks noGrp="1" noChangeAspect="1"/>
+          </p:cNvPicPr>
           <p:nvPr>
             <p:ph idx="1"/>
           </p:nvPr>
-        </p:nvSpPr>
-        <p:spPr/>
-        <p:txBody>
-          <a:bodyPr/>
-          <a:lstStyle/>
-          <a:p>
-            <a:r>
-              <a:rPr lang="fr-FR" dirty="0" smtClean="0"/>
-              <a:t>Choix aléatoire du joueur qui commence : système de jet de 2 dés : celui qui fait le score le plus haut commence, Relance si score égale.</a:t>
-            </a:r>
-          </a:p>
-          <a:p>
-            <a:r>
-              <a:rPr lang="fr-FR" dirty="0" smtClean="0"/>
-              <a:t>Alterne les principes précédents des class Challenger et Defender</a:t>
-            </a:r>
-          </a:p>
-          <a:p>
-            <a:r>
-              <a:rPr lang="fr-FR" dirty="0" smtClean="0"/>
-              <a:t>Les joueurs jouent à tour de rôle, avec à chaque tour, demande et affichage de la combinaison et du résultat pour chaque joueur (CPU et USER)</a:t>
-            </a:r>
-          </a:p>
-          <a:p>
-            <a:endParaRPr lang="fr-FR" dirty="0"/>
-          </a:p>
-        </p:txBody>
-      </p:sp>
+        </p:nvPicPr>
+        <p:blipFill>
+          <a:blip r:embed="rId2">
+            <a:extLst>
+              <a:ext uri="{28A0092B-C50C-407E-A947-70E740481C1C}">
+                <a14:useLocalDpi xmlns:a14="http://schemas.microsoft.com/office/drawing/2010/main" val="0"/>
+              </a:ext>
+            </a:extLst>
+          </a:blip>
+          <a:stretch>
+            <a:fillRect/>
+          </a:stretch>
+        </p:blipFill>
+        <p:spPr>
+          <a:xfrm>
+            <a:off x="901936" y="-1"/>
+            <a:ext cx="9796544" cy="6829591"/>
+          </a:xfrm>
+        </p:spPr>
+      </p:pic>
     </p:spTree>
     <p:extLst>
       <p:ext uri="{BB962C8B-B14F-4D97-AF65-F5344CB8AC3E}">
-        <p14:creationId xmlns:p14="http://schemas.microsoft.com/office/powerpoint/2010/main" val="2003836919"/>
+        <p14:creationId xmlns:p14="http://schemas.microsoft.com/office/powerpoint/2010/main" val="410560878"/>
       </p:ext>
     </p:extLst>
   </p:cSld>
@@ -5229,148 +5237,202 @@
           <a:lstStyle/>
           <a:p>
             <a:r>
-              <a:rPr lang="fr-FR" dirty="0" smtClean="0"/>
+              <a:rPr lang="fr-FR" dirty="0"/>
               <a:t>Class </a:t>
             </a:r>
             <a:r>
+              <a:rPr lang="fr-FR" dirty="0" smtClean="0"/>
+              <a:t>Defender </a:t>
+            </a:r>
+            <a:r>
+              <a:rPr lang="fr-FR" dirty="0" err="1"/>
+              <a:t>extends</a:t>
+            </a:r>
+            <a:r>
+              <a:rPr lang="fr-FR" dirty="0"/>
+              <a:t> Mode</a:t>
+            </a:r>
+          </a:p>
+        </p:txBody>
+      </p:sp>
+      <p:sp>
+        <p:nvSpPr>
+          <p:cNvPr id="3" name="Espace réservé du contenu 2"/>
+          <p:cNvSpPr>
+            <a:spLocks noGrp="1"/>
+          </p:cNvSpPr>
+          <p:nvPr>
+            <p:ph idx="1"/>
+          </p:nvPr>
+        </p:nvSpPr>
+        <p:spPr>
+          <a:xfrm>
+            <a:off x="1371600" y="2302626"/>
+            <a:ext cx="9601200" cy="3581400"/>
+          </a:xfrm>
+        </p:spPr>
+        <p:txBody>
+          <a:bodyPr/>
+          <a:lstStyle/>
+          <a:p>
+            <a:r>
+              <a:rPr lang="fr-FR" dirty="0"/>
+              <a:t>@</a:t>
+            </a:r>
+            <a:r>
               <a:rPr lang="fr-FR" dirty="0" err="1" smtClean="0"/>
-              <a:t>Combination</a:t>
-            </a:r>
-            <a:endParaRPr lang="fr-FR" dirty="0"/>
-          </a:p>
-        </p:txBody>
-      </p:sp>
-      <p:sp>
-        <p:nvSpPr>
-          <p:cNvPr id="3" name="Espace réservé du contenu 2"/>
-          <p:cNvSpPr>
-            <a:spLocks noGrp="1"/>
-          </p:cNvSpPr>
-          <p:nvPr>
-            <p:ph idx="1"/>
-          </p:nvPr>
-        </p:nvSpPr>
-        <p:spPr/>
-        <p:txBody>
-          <a:bodyPr>
-            <a:normAutofit fontScale="92500" lnSpcReduction="20000"/>
-          </a:bodyPr>
-          <a:lstStyle/>
-          <a:p>
-            <a:r>
-              <a:rPr lang="fr-FR" dirty="0"/>
-              <a:t>Demande à l'utilisateur de saisir une suggestion de </a:t>
-            </a:r>
-            <a:r>
-              <a:rPr lang="fr-FR" dirty="0" smtClean="0"/>
-              <a:t>combinaison (méthode </a:t>
+              <a:t>Override</a:t>
+            </a:r>
+            <a:r>
+              <a:rPr lang="fr-FR" dirty="0" smtClean="0"/>
+              <a:t> </a:t>
+            </a:r>
+            <a:r>
+              <a:rPr lang="fr-FR" dirty="0"/>
+              <a:t>méthode « </a:t>
+            </a:r>
+            <a:r>
+              <a:rPr lang="fr-FR" dirty="0" err="1"/>
+              <a:t>run</a:t>
+            </a:r>
+            <a:r>
+              <a:rPr lang="fr-FR" dirty="0"/>
+              <a:t> </a:t>
+            </a:r>
+            <a:r>
+              <a:rPr lang="fr-FR" dirty="0" smtClean="0"/>
+              <a:t>» </a:t>
+            </a:r>
+            <a:r>
+              <a:rPr lang="fr-FR" dirty="0"/>
+              <a:t>de la classe Mode</a:t>
+            </a:r>
+          </a:p>
+          <a:p>
+            <a:r>
+              <a:rPr lang="fr-FR" dirty="0" smtClean="0"/>
+              <a:t>Demande à l’utilisateur de créer sa combinaison secrète</a:t>
+            </a:r>
+          </a:p>
+          <a:p>
+            <a:r>
+              <a:rPr lang="fr-FR" dirty="0"/>
+              <a:t>Compteur d’essai (</a:t>
+            </a:r>
+            <a:r>
+              <a:rPr lang="fr-FR" dirty="0" err="1"/>
+              <a:t>nbTry</a:t>
+            </a:r>
+            <a:r>
+              <a:rPr lang="fr-FR" dirty="0"/>
+              <a:t>)</a:t>
+            </a:r>
+          </a:p>
+          <a:p>
+            <a:r>
+              <a:rPr lang="fr-FR" dirty="0" smtClean="0"/>
+              <a:t>L’IA de l’ordinateur trouve une combinaison (utilisation des </a:t>
             </a:r>
             <a:r>
               <a:rPr lang="fr-FR" dirty="0" err="1" smtClean="0"/>
-              <a:t>ask</a:t>
-            </a:r>
-            <a:r>
-              <a:rPr lang="fr-FR" dirty="0" smtClean="0"/>
-              <a:t>)</a:t>
-            </a:r>
-          </a:p>
-          <a:p>
+              <a:t>static</a:t>
+            </a:r>
+            <a:r>
+              <a:rPr lang="fr-FR" dirty="0" smtClean="0"/>
+              <a:t> </a:t>
+            </a:r>
+            <a:r>
+              <a:rPr lang="fr-FR" dirty="0" err="1" smtClean="0"/>
+              <a:t>arraylist</a:t>
+            </a:r>
+            <a:r>
+              <a:rPr lang="fr-FR" dirty="0" smtClean="0"/>
+              <a:t> extensibles </a:t>
+            </a:r>
+            <a:r>
+              <a:rPr lang="fr-FR" dirty="0" err="1" smtClean="0"/>
+              <a:t>maxValues</a:t>
+            </a:r>
+            <a:r>
+              <a:rPr lang="fr-FR" dirty="0" smtClean="0"/>
+              <a:t>, </a:t>
+            </a:r>
+            <a:r>
+              <a:rPr lang="fr-FR" dirty="0" err="1" smtClean="0"/>
+              <a:t>minValues</a:t>
+            </a:r>
+            <a:r>
+              <a:rPr lang="fr-FR" dirty="0" smtClean="0"/>
+              <a:t> et </a:t>
+            </a:r>
+            <a:r>
+              <a:rPr lang="fr-FR" dirty="0" err="1" smtClean="0"/>
+              <a:t>theValues</a:t>
+            </a:r>
+            <a:r>
+              <a:rPr lang="fr-FR" dirty="0" smtClean="0"/>
+              <a:t> de la class Settings)</a:t>
+            </a:r>
+            <a:br>
+              <a:rPr lang="fr-FR" dirty="0" smtClean="0"/>
+            </a:br>
+            <a:r>
+              <a:rPr lang="fr-FR" dirty="0" smtClean="0"/>
+              <a:t>(</a:t>
+            </a:r>
+            <a:r>
+              <a:rPr lang="fr-FR" dirty="0" err="1" smtClean="0"/>
+              <a:t>max+min</a:t>
+            </a:r>
+            <a:r>
+              <a:rPr lang="fr-FR" dirty="0" smtClean="0"/>
+              <a:t>)/2</a:t>
+            </a:r>
+            <a:r>
+              <a:rPr lang="fr-FR" dirty="0"/>
+              <a:t>, // Si il ne reste que deux </a:t>
+            </a:r>
             <a:r>
               <a:rPr lang="fr-FR" dirty="0" err="1"/>
-              <a:t>Génere</a:t>
-            </a:r>
-            <a:r>
-              <a:rPr lang="fr-FR" dirty="0"/>
-              <a:t> de manière aléatoire une combinaison à X </a:t>
-            </a:r>
-            <a:r>
-              <a:rPr lang="fr-FR" dirty="0" smtClean="0"/>
-              <a:t>chiffres </a:t>
-            </a:r>
-            <a:r>
-              <a:rPr lang="fr-FR" dirty="0"/>
-              <a:t>(méthode </a:t>
+              <a:t>possiblités</a:t>
+            </a:r>
+            <a:r>
+              <a:rPr lang="fr-FR" dirty="0"/>
+              <a:t> : </a:t>
+            </a:r>
+            <a:r>
+              <a:rPr lang="fr-FR" dirty="0" err="1"/>
+              <a:t>random</a:t>
+            </a:r>
+            <a:r>
+              <a:rPr lang="fr-FR" dirty="0"/>
+              <a:t> pour l'une ou </a:t>
+            </a:r>
+            <a:r>
+              <a:rPr lang="fr-FR" dirty="0" smtClean="0"/>
+              <a:t>l'autre.</a:t>
+            </a:r>
+            <a:br>
+              <a:rPr lang="fr-FR" dirty="0" smtClean="0"/>
+            </a:br>
+            <a:r>
+              <a:rPr lang="fr-FR" dirty="0" smtClean="0"/>
+              <a:t>Si le chiffre trouvé au tour précédent (min et max = 0, </a:t>
             </a:r>
             <a:r>
               <a:rPr lang="fr-FR" dirty="0" err="1" smtClean="0"/>
-              <a:t>generate</a:t>
-            </a:r>
-            <a:r>
-              <a:rPr lang="fr-FR" dirty="0" smtClean="0"/>
-              <a:t>)</a:t>
-            </a:r>
-            <a:endParaRPr lang="fr-FR" dirty="0"/>
-          </a:p>
-          <a:p>
-            <a:r>
-              <a:rPr lang="fr-FR" dirty="0" smtClean="0"/>
-              <a:t>Compare 2 combinaison </a:t>
-            </a:r>
-            <a:r>
-              <a:rPr lang="fr-FR" dirty="0"/>
-              <a:t>(méthode </a:t>
-            </a:r>
-            <a:r>
-              <a:rPr lang="fr-FR" dirty="0" smtClean="0"/>
-              <a:t>compare)</a:t>
-            </a:r>
-            <a:endParaRPr lang="fr-FR" dirty="0"/>
-          </a:p>
-          <a:p>
-            <a:r>
-              <a:rPr lang="fr-FR" dirty="0"/>
-              <a:t>Recherche par le CPU d'une combinaison en fonction des suggestions </a:t>
-            </a:r>
-            <a:r>
-              <a:rPr lang="fr-FR" dirty="0" smtClean="0"/>
-              <a:t>précédentes (méthode </a:t>
-            </a:r>
-            <a:r>
-              <a:rPr lang="fr-FR" dirty="0" err="1" smtClean="0"/>
-              <a:t>find</a:t>
-            </a:r>
-            <a:r>
-              <a:rPr lang="fr-FR" dirty="0" smtClean="0"/>
-              <a:t>)</a:t>
-            </a:r>
-          </a:p>
-          <a:p>
-            <a:r>
-              <a:rPr lang="fr-FR" dirty="0"/>
-              <a:t>Affiche la proposition faite avec + le nombre </a:t>
-            </a:r>
-            <a:r>
-              <a:rPr lang="fr-FR" dirty="0" smtClean="0"/>
-              <a:t>d'essais (méthode display)</a:t>
-            </a:r>
-          </a:p>
-          <a:p>
-            <a:r>
-              <a:rPr lang="fr-FR" dirty="0"/>
-              <a:t>Affiche la combinaison secrète en mode </a:t>
-            </a:r>
-            <a:r>
-              <a:rPr lang="fr-FR" dirty="0" smtClean="0"/>
-              <a:t>développeur (méthode solution) pour les modes Challenger et Dual</a:t>
-            </a:r>
-          </a:p>
-          <a:p>
-            <a:pPr marL="0" indent="0">
-              <a:buNone/>
-            </a:pPr>
-            <a:endParaRPr lang="fr-FR" dirty="0"/>
-          </a:p>
-          <a:p>
-            <a:pPr marL="0" indent="0">
-              <a:buNone/>
-            </a:pPr>
-            <a:r>
-              <a:rPr lang="fr-FR" dirty="0" smtClean="0"/>
-              <a:t>Chaque saisie de l’utilisateur sera soumise à une procédure de control</a:t>
-            </a:r>
-            <a:br>
-              <a:rPr lang="fr-FR" dirty="0" smtClean="0"/>
-            </a:br>
+              <a:t>theValue</a:t>
+            </a:r>
+            <a:r>
+              <a:rPr lang="fr-FR" dirty="0" smtClean="0"/>
+              <a:t> contient le chiffre juste)</a:t>
+            </a:r>
+          </a:p>
+          <a:p>
+            <a:r>
+              <a:rPr lang="fr-FR" dirty="0" smtClean="0"/>
+              <a:t>Compare, affiche la combinaison et demande à l’utilisateur de saisir le résultat</a:t>
+            </a:r>
             <a:endParaRPr lang="fr-FR" dirty="0"/>
           </a:p>
         </p:txBody>
@@ -5378,7 +5440,7 @@
     </p:spTree>
     <p:extLst>
       <p:ext uri="{BB962C8B-B14F-4D97-AF65-F5344CB8AC3E}">
-        <p14:creationId xmlns:p14="http://schemas.microsoft.com/office/powerpoint/2010/main" val="90421124"/>
+        <p14:creationId xmlns:p14="http://schemas.microsoft.com/office/powerpoint/2010/main" val="2680699173"/>
       </p:ext>
     </p:extLst>
   </p:cSld>
@@ -5420,122 +5482,43 @@
           <a:bodyPr/>
           <a:lstStyle/>
           <a:p>
-            <a:r>
-              <a:rPr lang="fr-FR" dirty="0" smtClean="0"/>
-              <a:t>Class Control</a:t>
-            </a:r>
-            <a:endParaRPr lang="fr-FR" dirty="0"/>
-          </a:p>
-        </p:txBody>
-      </p:sp>
-      <p:sp>
-        <p:nvSpPr>
-          <p:cNvPr id="3" name="Espace réservé du contenu 2"/>
-          <p:cNvSpPr>
-            <a:spLocks noGrp="1"/>
-          </p:cNvSpPr>
+            <a:endParaRPr lang="fr-FR"/>
+          </a:p>
+        </p:txBody>
+      </p:sp>
+      <p:pic>
+        <p:nvPicPr>
+          <p:cNvPr id="4" name="Espace réservé du contenu 3"/>
+          <p:cNvPicPr>
+            <a:picLocks noGrp="1" noChangeAspect="1"/>
+          </p:cNvPicPr>
           <p:nvPr>
             <p:ph idx="1"/>
           </p:nvPr>
-        </p:nvSpPr>
-        <p:spPr/>
-        <p:txBody>
-          <a:bodyPr/>
-          <a:lstStyle/>
-          <a:p>
-            <a:r>
-              <a:rPr lang="en-US" dirty="0"/>
-              <a:t>Input Control : </a:t>
-            </a:r>
-            <a:r>
-              <a:rPr lang="en-US" dirty="0" err="1" smtClean="0"/>
-              <a:t>caractère</a:t>
-            </a:r>
-            <a:r>
-              <a:rPr lang="en-US" dirty="0" smtClean="0"/>
-              <a:t> par </a:t>
-            </a:r>
-            <a:r>
-              <a:rPr lang="en-US" dirty="0" err="1" smtClean="0"/>
-              <a:t>caractère</a:t>
-            </a:r>
-            <a:r>
-              <a:rPr lang="en-US" dirty="0" smtClean="0"/>
-              <a:t> </a:t>
-            </a:r>
-            <a:r>
-              <a:rPr lang="en-US" dirty="0" err="1" smtClean="0"/>
-              <a:t>effectue</a:t>
-            </a:r>
-            <a:r>
-              <a:rPr lang="en-US" dirty="0" smtClean="0"/>
-              <a:t> le test </a:t>
-            </a:r>
-            <a:r>
-              <a:rPr lang="en-US" dirty="0" err="1" smtClean="0"/>
-              <a:t>isDigit</a:t>
-            </a:r>
-            <a:r>
-              <a:rPr lang="en-US" dirty="0" smtClean="0"/>
-              <a:t> (</a:t>
-            </a:r>
-            <a:r>
-              <a:rPr lang="en-US" dirty="0" err="1" smtClean="0"/>
-              <a:t>méthode</a:t>
-            </a:r>
-            <a:r>
-              <a:rPr lang="en-US" dirty="0" smtClean="0"/>
-              <a:t> run)</a:t>
-            </a:r>
-            <a:br>
-              <a:rPr lang="en-US" dirty="0" smtClean="0"/>
-            </a:br>
-            <a:r>
-              <a:rPr lang="fr-FR" dirty="0"/>
-              <a:t>@return b1 état du </a:t>
-            </a:r>
-            <a:r>
-              <a:rPr lang="fr-FR" dirty="0" err="1"/>
-              <a:t>controle</a:t>
-            </a:r>
-            <a:r>
-              <a:rPr lang="fr-FR" dirty="0"/>
-              <a:t> d'entrée. False par défaut. Renvoie </a:t>
-            </a:r>
-            <a:r>
-              <a:rPr lang="fr-FR" dirty="0" err="1"/>
-              <a:t>True</a:t>
-            </a:r>
-            <a:r>
-              <a:rPr lang="fr-FR" dirty="0"/>
-              <a:t> si une erreur est </a:t>
-            </a:r>
-            <a:r>
-              <a:rPr lang="fr-FR" dirty="0" smtClean="0"/>
-              <a:t>trouvée</a:t>
-            </a:r>
-          </a:p>
-          <a:p>
-            <a:r>
-              <a:rPr lang="fr-FR" dirty="0" smtClean="0"/>
-              <a:t>Affiche un message d’erreur de saisie, l’utilisateur </a:t>
-            </a:r>
-            <a:r>
-              <a:rPr lang="fr-FR" dirty="0"/>
-              <a:t>doit donc recommencer </a:t>
-            </a:r>
-            <a:r>
-              <a:rPr lang="fr-FR" dirty="0" smtClean="0"/>
-              <a:t>jusqu’à ce que la saisie soit correcte</a:t>
-            </a:r>
-            <a:endParaRPr lang="fr-FR" dirty="0"/>
-          </a:p>
-        </p:txBody>
-      </p:sp>
+        </p:nvPicPr>
+        <p:blipFill>
+          <a:blip r:embed="rId2">
+            <a:extLst>
+              <a:ext uri="{28A0092B-C50C-407E-A947-70E740481C1C}">
+                <a14:useLocalDpi xmlns:a14="http://schemas.microsoft.com/office/drawing/2010/main" val="0"/>
+              </a:ext>
+            </a:extLst>
+          </a:blip>
+          <a:stretch>
+            <a:fillRect/>
+          </a:stretch>
+        </p:blipFill>
+        <p:spPr>
+          <a:xfrm>
+            <a:off x="1054449" y="0"/>
+            <a:ext cx="8621566" cy="6836786"/>
+          </a:xfrm>
+        </p:spPr>
+      </p:pic>
     </p:spTree>
     <p:extLst>
       <p:ext uri="{BB962C8B-B14F-4D97-AF65-F5344CB8AC3E}">
-        <p14:creationId xmlns:p14="http://schemas.microsoft.com/office/powerpoint/2010/main" val="1860049676"/>
+        <p14:creationId xmlns:p14="http://schemas.microsoft.com/office/powerpoint/2010/main" val="2623186904"/>
       </p:ext>
     </p:extLst>
   </p:cSld>
@@ -5579,11 +5562,7 @@
           <a:p>
             <a:r>
               <a:rPr lang="fr-FR" dirty="0" smtClean="0"/>
-              <a:t>Class </a:t>
-            </a:r>
-            <a:r>
-              <a:rPr lang="fr-FR" dirty="0" err="1" smtClean="0"/>
-              <a:t>Result</a:t>
+              <a:t>Class Dual</a:t>
             </a:r>
             <a:endParaRPr lang="fr-FR" dirty="0"/>
           </a:p>
@@ -5606,49 +5585,19 @@
           <a:p>
             <a:r>
               <a:rPr lang="fr-FR" dirty="0" smtClean="0"/>
-              <a:t>Affichage du résultat </a:t>
-            </a:r>
-            <a:r>
-              <a:rPr lang="fr-FR" dirty="0"/>
-              <a:t>fin de partie : Partie gagnée, nouvel essai ou partie perdue </a:t>
-            </a:r>
-            <a:r>
-              <a:rPr lang="fr-FR" dirty="0" smtClean="0"/>
-              <a:t>(si le nombre </a:t>
-            </a:r>
-            <a:r>
-              <a:rPr lang="fr-FR" dirty="0"/>
-              <a:t>d'essais </a:t>
-            </a:r>
-            <a:r>
-              <a:rPr lang="fr-FR" dirty="0" smtClean="0"/>
-              <a:t>est dépassé : méthode </a:t>
-            </a:r>
-            <a:r>
-              <a:rPr lang="fr-FR" dirty="0" err="1" smtClean="0"/>
-              <a:t>run</a:t>
-            </a:r>
-            <a:r>
-              <a:rPr lang="fr-FR" dirty="0" smtClean="0"/>
-              <a:t>)</a:t>
-            </a:r>
-          </a:p>
-          <a:p>
-            <a:r>
-              <a:rPr lang="fr-FR" dirty="0"/>
-              <a:t>Demande à l'utilisateur de saisir le résultat de la suggestion du </a:t>
-            </a:r>
-            <a:r>
-              <a:rPr lang="fr-FR" dirty="0" smtClean="0"/>
-              <a:t>CPU (méthode </a:t>
-            </a:r>
-            <a:r>
-              <a:rPr lang="fr-FR" dirty="0" err="1" smtClean="0"/>
-              <a:t>ask</a:t>
-            </a:r>
-            <a:r>
-              <a:rPr lang="fr-FR" dirty="0" smtClean="0"/>
-              <a:t>)</a:t>
+              <a:t>Choix aléatoire du joueur qui commence : système de jet de 2 dés : celui qui fait le score le plus haut commence, Relance si score égale.</a:t>
+            </a:r>
+          </a:p>
+          <a:p>
+            <a:r>
+              <a:rPr lang="fr-FR" dirty="0" smtClean="0"/>
+              <a:t>Alterne les principes précédents des class Challenger et Defender</a:t>
+            </a:r>
+          </a:p>
+          <a:p>
+            <a:r>
+              <a:rPr lang="fr-FR" dirty="0" smtClean="0"/>
+              <a:t>Les joueurs jouent à tour de rôle, avec à chaque tour, demande et affichage de la combinaison et du résultat pour chaque joueur (CPU et USER)</a:t>
             </a:r>
           </a:p>
           <a:p>
@@ -5659,7 +5608,7 @@
     </p:spTree>
     <p:extLst>
       <p:ext uri="{BB962C8B-B14F-4D97-AF65-F5344CB8AC3E}">
-        <p14:creationId xmlns:p14="http://schemas.microsoft.com/office/powerpoint/2010/main" val="393042390"/>
+        <p14:creationId xmlns:p14="http://schemas.microsoft.com/office/powerpoint/2010/main" val="2003836919"/>
       </p:ext>
     </p:extLst>
   </p:cSld>
@@ -5701,121 +5650,43 @@
           <a:bodyPr/>
           <a:lstStyle/>
           <a:p>
-            <a:r>
-              <a:rPr lang="fr-FR" dirty="0" smtClean="0"/>
-              <a:t>Librairie Log4J </a:t>
-            </a:r>
-            <a:endParaRPr lang="fr-FR" dirty="0"/>
-          </a:p>
-        </p:txBody>
-      </p:sp>
-      <p:sp>
-        <p:nvSpPr>
-          <p:cNvPr id="3" name="Espace réservé du contenu 2"/>
-          <p:cNvSpPr>
-            <a:spLocks noGrp="1"/>
-          </p:cNvSpPr>
+            <a:endParaRPr lang="fr-FR"/>
+          </a:p>
+        </p:txBody>
+      </p:sp>
+      <p:pic>
+        <p:nvPicPr>
+          <p:cNvPr id="4" name="Espace réservé du contenu 3"/>
+          <p:cNvPicPr>
+            <a:picLocks noGrp="1" noChangeAspect="1"/>
+          </p:cNvPicPr>
           <p:nvPr>
             <p:ph idx="1"/>
           </p:nvPr>
-        </p:nvSpPr>
-        <p:spPr/>
-        <p:txBody>
-          <a:bodyPr>
-            <a:normAutofit lnSpcReduction="10000"/>
-          </a:bodyPr>
-          <a:lstStyle/>
-          <a:p>
-            <a:r>
-              <a:rPr lang="fr-FR" dirty="0">
-                <a:hlinkClick r:id="rId2"/>
-              </a:rPr>
-              <a:t>https://logging.apache.org/log4j/2.x</a:t>
-            </a:r>
-            <a:r>
-              <a:rPr lang="fr-FR" dirty="0" smtClean="0">
-                <a:hlinkClick r:id="rId2"/>
-              </a:rPr>
-              <a:t>/</a:t>
-            </a:r>
-            <a:endParaRPr lang="fr-FR" dirty="0" smtClean="0"/>
-          </a:p>
-          <a:p>
-            <a:r>
-              <a:rPr lang="fr-FR" dirty="0" smtClean="0"/>
-              <a:t>Cette librairie permet d’effectuer les logs </a:t>
-            </a:r>
-            <a:r>
-              <a:rPr lang="fr-FR" dirty="0"/>
-              <a:t>du projet</a:t>
-            </a:r>
-            <a:br>
-              <a:rPr lang="fr-FR" dirty="0"/>
-            </a:br>
-            <a:r>
-              <a:rPr lang="fr-FR" dirty="0" smtClean="0"/>
-              <a:t/>
-            </a:r>
-            <a:br>
-              <a:rPr lang="fr-FR" dirty="0" smtClean="0"/>
-            </a:br>
-            <a:r>
-              <a:rPr lang="fr-FR" dirty="0" smtClean="0"/>
-              <a:t>Le </a:t>
-            </a:r>
-            <a:r>
-              <a:rPr lang="fr-FR" dirty="0" err="1"/>
-              <a:t>logging</a:t>
-            </a:r>
-            <a:r>
-              <a:rPr lang="fr-FR" dirty="0"/>
-              <a:t> consiste à ajouter des traitements dans les applications pour permettre l'émission et le stockage de messages suite à des </a:t>
-            </a:r>
-            <a:r>
-              <a:rPr lang="fr-FR" dirty="0" smtClean="0"/>
-              <a:t>événements.</a:t>
-            </a:r>
-            <a:br>
-              <a:rPr lang="fr-FR" dirty="0" smtClean="0"/>
-            </a:br>
-            <a:r>
-              <a:rPr lang="fr-FR" dirty="0" smtClean="0"/>
-              <a:t>Le </a:t>
-            </a:r>
-            <a:r>
-              <a:rPr lang="fr-FR" dirty="0" err="1"/>
-              <a:t>logging</a:t>
-            </a:r>
-            <a:r>
-              <a:rPr lang="fr-FR" dirty="0"/>
-              <a:t> est utile pour tous les types d'applications en permettant par exemple de conserver une trace des exceptions qui sont levées dans l'application et des différents événements anormaux ou normaux liés à l'exécution de </a:t>
-            </a:r>
-            <a:r>
-              <a:rPr lang="fr-FR" dirty="0" smtClean="0"/>
-              <a:t>l'application.</a:t>
-            </a:r>
-            <a:br>
-              <a:rPr lang="fr-FR" dirty="0" smtClean="0"/>
-            </a:br>
-            <a:r>
-              <a:rPr lang="fr-FR" dirty="0" smtClean="0"/>
-              <a:t>Le </a:t>
-            </a:r>
-            <a:r>
-              <a:rPr lang="fr-FR" dirty="0" err="1"/>
-              <a:t>logging</a:t>
-            </a:r>
-            <a:r>
-              <a:rPr lang="fr-FR" dirty="0"/>
-              <a:t> permet de gérer des messages émis par une application durant son exécution et de permettre leur exploitation immédiate ou a posteriori. Ces messages sont d'ailleurs très utiles lors de la mise au point d'une application ou lors de son exploitation pour comprendre son fonctionnement ou résoudre une anomalie.</a:t>
-            </a:r>
-          </a:p>
-        </p:txBody>
-      </p:sp>
+        </p:nvPicPr>
+        <p:blipFill>
+          <a:blip r:embed="rId2">
+            <a:extLst>
+              <a:ext uri="{28A0092B-C50C-407E-A947-70E740481C1C}">
+                <a14:useLocalDpi xmlns:a14="http://schemas.microsoft.com/office/drawing/2010/main" val="0"/>
+              </a:ext>
+            </a:extLst>
+          </a:blip>
+          <a:stretch>
+            <a:fillRect/>
+          </a:stretch>
+        </p:blipFill>
+        <p:spPr>
+          <a:xfrm>
+            <a:off x="2887704" y="0"/>
+            <a:ext cx="6181482" cy="6859769"/>
+          </a:xfrm>
+        </p:spPr>
+      </p:pic>
     </p:spTree>
     <p:extLst>
       <p:ext uri="{BB962C8B-B14F-4D97-AF65-F5344CB8AC3E}">
-        <p14:creationId xmlns:p14="http://schemas.microsoft.com/office/powerpoint/2010/main" val="1126420756"/>
+        <p14:creationId xmlns:p14="http://schemas.microsoft.com/office/powerpoint/2010/main" val="1244747865"/>
       </p:ext>
     </p:extLst>
   </p:cSld>
@@ -6067,11 +5938,7 @@
             </a:pPr>
             <a:r>
               <a:rPr lang="fr-FR" dirty="0" smtClean="0"/>
-              <a:t>Un dossier nommé Projet3-final contenant tous les fichiers sources du projet va être créé dans le dossier Documents</a:t>
-            </a:r>
-            <a:r>
-              <a:rPr lang="fr-FR" dirty="0" smtClean="0"/>
-              <a:t>.</a:t>
+              <a:t>Un dossier nommé Projet3-final contenant tous les fichiers sources du projet va être créé dans le dossier Documents.</a:t>
             </a:r>
           </a:p>
           <a:p>
@@ -6099,6 +5966,717 @@
       </p:par>
     </p:tnLst>
   </p:timing>
+</p:sld>
+</file>
+
+<file path=ppt/slides/slide20.xml><?xml version="1.0" encoding="utf-8"?>
+<p:sld xmlns:a="http://schemas.openxmlformats.org/drawingml/2006/main" xmlns:r="http://schemas.openxmlformats.org/officeDocument/2006/relationships" xmlns:p="http://schemas.openxmlformats.org/presentationml/2006/main">
+  <p:cSld>
+    <p:spTree>
+      <p:nvGrpSpPr>
+        <p:cNvPr id="1" name=""/>
+        <p:cNvGrpSpPr/>
+        <p:nvPr/>
+      </p:nvGrpSpPr>
+      <p:grpSpPr>
+        <a:xfrm>
+          <a:off x="0" y="0"/>
+          <a:ext cx="0" cy="0"/>
+          <a:chOff x="0" y="0"/>
+          <a:chExt cx="0" cy="0"/>
+        </a:xfrm>
+      </p:grpSpPr>
+      <p:sp>
+        <p:nvSpPr>
+          <p:cNvPr id="2" name="Titre 1"/>
+          <p:cNvSpPr>
+            <a:spLocks noGrp="1"/>
+          </p:cNvSpPr>
+          <p:nvPr>
+            <p:ph type="title"/>
+          </p:nvPr>
+        </p:nvSpPr>
+        <p:spPr/>
+        <p:txBody>
+          <a:bodyPr/>
+          <a:lstStyle/>
+          <a:p>
+            <a:r>
+              <a:rPr lang="fr-FR" dirty="0" smtClean="0"/>
+              <a:t>Class </a:t>
+            </a:r>
+            <a:r>
+              <a:rPr lang="fr-FR" dirty="0" err="1" smtClean="0"/>
+              <a:t>Combination</a:t>
+            </a:r>
+            <a:endParaRPr lang="fr-FR" dirty="0"/>
+          </a:p>
+        </p:txBody>
+      </p:sp>
+      <p:sp>
+        <p:nvSpPr>
+          <p:cNvPr id="3" name="Espace réservé du contenu 2"/>
+          <p:cNvSpPr>
+            <a:spLocks noGrp="1"/>
+          </p:cNvSpPr>
+          <p:nvPr>
+            <p:ph idx="1"/>
+          </p:nvPr>
+        </p:nvSpPr>
+        <p:spPr/>
+        <p:txBody>
+          <a:bodyPr>
+            <a:normAutofit fontScale="92500" lnSpcReduction="20000"/>
+          </a:bodyPr>
+          <a:lstStyle/>
+          <a:p>
+            <a:r>
+              <a:rPr lang="fr-FR" dirty="0"/>
+              <a:t>Demande à l'utilisateur de saisir une suggestion de </a:t>
+            </a:r>
+            <a:r>
+              <a:rPr lang="fr-FR" dirty="0" smtClean="0"/>
+              <a:t>combinaison (méthode </a:t>
+            </a:r>
+            <a:r>
+              <a:rPr lang="fr-FR" dirty="0" err="1" smtClean="0"/>
+              <a:t>ask</a:t>
+            </a:r>
+            <a:r>
+              <a:rPr lang="fr-FR" dirty="0" smtClean="0"/>
+              <a:t>)</a:t>
+            </a:r>
+          </a:p>
+          <a:p>
+            <a:r>
+              <a:rPr lang="fr-FR" dirty="0" err="1"/>
+              <a:t>Génere</a:t>
+            </a:r>
+            <a:r>
+              <a:rPr lang="fr-FR" dirty="0"/>
+              <a:t> de manière aléatoire une combinaison à X </a:t>
+            </a:r>
+            <a:r>
+              <a:rPr lang="fr-FR" dirty="0" smtClean="0"/>
+              <a:t>chiffres </a:t>
+            </a:r>
+            <a:r>
+              <a:rPr lang="fr-FR" dirty="0"/>
+              <a:t>(méthode </a:t>
+            </a:r>
+            <a:r>
+              <a:rPr lang="fr-FR" dirty="0" err="1" smtClean="0"/>
+              <a:t>generate</a:t>
+            </a:r>
+            <a:r>
+              <a:rPr lang="fr-FR" dirty="0" smtClean="0"/>
+              <a:t>)</a:t>
+            </a:r>
+            <a:endParaRPr lang="fr-FR" dirty="0"/>
+          </a:p>
+          <a:p>
+            <a:r>
+              <a:rPr lang="fr-FR" dirty="0" smtClean="0"/>
+              <a:t>Compare 2 combinaison </a:t>
+            </a:r>
+            <a:r>
+              <a:rPr lang="fr-FR" dirty="0"/>
+              <a:t>(méthode </a:t>
+            </a:r>
+            <a:r>
+              <a:rPr lang="fr-FR" dirty="0" smtClean="0"/>
+              <a:t>compare)</a:t>
+            </a:r>
+            <a:endParaRPr lang="fr-FR" dirty="0"/>
+          </a:p>
+          <a:p>
+            <a:r>
+              <a:rPr lang="fr-FR" dirty="0"/>
+              <a:t>Recherche par le CPU d'une combinaison en fonction des suggestions </a:t>
+            </a:r>
+            <a:r>
+              <a:rPr lang="fr-FR" dirty="0" smtClean="0"/>
+              <a:t>précédentes (méthode </a:t>
+            </a:r>
+            <a:r>
+              <a:rPr lang="fr-FR" dirty="0" err="1" smtClean="0"/>
+              <a:t>find</a:t>
+            </a:r>
+            <a:r>
+              <a:rPr lang="fr-FR" dirty="0" smtClean="0"/>
+              <a:t>)</a:t>
+            </a:r>
+          </a:p>
+          <a:p>
+            <a:r>
+              <a:rPr lang="fr-FR" dirty="0"/>
+              <a:t>Affiche la proposition faite avec + le nombre </a:t>
+            </a:r>
+            <a:r>
+              <a:rPr lang="fr-FR" dirty="0" smtClean="0"/>
+              <a:t>d'essais (méthode display)</a:t>
+            </a:r>
+          </a:p>
+          <a:p>
+            <a:r>
+              <a:rPr lang="fr-FR" dirty="0"/>
+              <a:t>Affiche la combinaison secrète en mode </a:t>
+            </a:r>
+            <a:r>
+              <a:rPr lang="fr-FR" dirty="0" smtClean="0"/>
+              <a:t>développeur (méthode solution) pour les modes Challenger et Dual</a:t>
+            </a:r>
+          </a:p>
+          <a:p>
+            <a:pPr marL="0" indent="0">
+              <a:buNone/>
+            </a:pPr>
+            <a:endParaRPr lang="fr-FR" dirty="0"/>
+          </a:p>
+          <a:p>
+            <a:pPr marL="0" indent="0">
+              <a:buNone/>
+            </a:pPr>
+            <a:r>
+              <a:rPr lang="fr-FR" dirty="0" smtClean="0"/>
+              <a:t>Chaque saisie de l’utilisateur sera soumise à une procédure de control</a:t>
+            </a:r>
+            <a:br>
+              <a:rPr lang="fr-FR" dirty="0" smtClean="0"/>
+            </a:br>
+            <a:endParaRPr lang="fr-FR" dirty="0"/>
+          </a:p>
+        </p:txBody>
+      </p:sp>
+    </p:spTree>
+    <p:extLst>
+      <p:ext uri="{BB962C8B-B14F-4D97-AF65-F5344CB8AC3E}">
+        <p14:creationId xmlns:p14="http://schemas.microsoft.com/office/powerpoint/2010/main" val="90421124"/>
+      </p:ext>
+    </p:extLst>
+  </p:cSld>
+  <p:clrMapOvr>
+    <a:masterClrMapping/>
+  </p:clrMapOvr>
+</p:sld>
+</file>
+
+<file path=ppt/slides/slide21.xml><?xml version="1.0" encoding="utf-8"?>
+<p:sld xmlns:a="http://schemas.openxmlformats.org/drawingml/2006/main" xmlns:r="http://schemas.openxmlformats.org/officeDocument/2006/relationships" xmlns:p="http://schemas.openxmlformats.org/presentationml/2006/main">
+  <p:cSld>
+    <p:spTree>
+      <p:nvGrpSpPr>
+        <p:cNvPr id="1" name=""/>
+        <p:cNvGrpSpPr/>
+        <p:nvPr/>
+      </p:nvGrpSpPr>
+      <p:grpSpPr>
+        <a:xfrm>
+          <a:off x="0" y="0"/>
+          <a:ext cx="0" cy="0"/>
+          <a:chOff x="0" y="0"/>
+          <a:chExt cx="0" cy="0"/>
+        </a:xfrm>
+      </p:grpSpPr>
+      <p:sp>
+        <p:nvSpPr>
+          <p:cNvPr id="2" name="Titre 1"/>
+          <p:cNvSpPr>
+            <a:spLocks noGrp="1"/>
+          </p:cNvSpPr>
+          <p:nvPr>
+            <p:ph type="title"/>
+          </p:nvPr>
+        </p:nvSpPr>
+        <p:spPr/>
+        <p:txBody>
+          <a:bodyPr/>
+          <a:lstStyle/>
+          <a:p>
+            <a:r>
+              <a:rPr lang="fr-FR" dirty="0" smtClean="0"/>
+              <a:t>Class </a:t>
+            </a:r>
+            <a:r>
+              <a:rPr lang="fr-FR" dirty="0" err="1" smtClean="0"/>
+              <a:t>Controls</a:t>
+            </a:r>
+            <a:endParaRPr lang="fr-FR" dirty="0"/>
+          </a:p>
+        </p:txBody>
+      </p:sp>
+      <p:sp>
+        <p:nvSpPr>
+          <p:cNvPr id="3" name="Espace réservé du contenu 2"/>
+          <p:cNvSpPr>
+            <a:spLocks noGrp="1"/>
+          </p:cNvSpPr>
+          <p:nvPr>
+            <p:ph idx="1"/>
+          </p:nvPr>
+        </p:nvSpPr>
+        <p:spPr/>
+        <p:txBody>
+          <a:bodyPr/>
+          <a:lstStyle/>
+          <a:p>
+            <a:r>
+              <a:rPr lang="en-US" dirty="0"/>
+              <a:t>Input Control : </a:t>
+            </a:r>
+            <a:r>
+              <a:rPr lang="en-US" dirty="0" err="1" smtClean="0"/>
+              <a:t>caractère</a:t>
+            </a:r>
+            <a:r>
+              <a:rPr lang="en-US" dirty="0" smtClean="0"/>
+              <a:t> par </a:t>
+            </a:r>
+            <a:r>
+              <a:rPr lang="en-US" dirty="0" err="1" smtClean="0"/>
+              <a:t>caractère</a:t>
+            </a:r>
+            <a:r>
+              <a:rPr lang="en-US" dirty="0" smtClean="0"/>
+              <a:t> </a:t>
+            </a:r>
+            <a:r>
+              <a:rPr lang="en-US" dirty="0" err="1" smtClean="0"/>
+              <a:t>effectue</a:t>
+            </a:r>
+            <a:r>
+              <a:rPr lang="en-US" dirty="0" smtClean="0"/>
+              <a:t> le test </a:t>
+            </a:r>
+            <a:r>
+              <a:rPr lang="en-US" dirty="0" err="1" smtClean="0"/>
+              <a:t>isDigit</a:t>
+            </a:r>
+            <a:r>
+              <a:rPr lang="en-US" dirty="0" smtClean="0"/>
+              <a:t> (</a:t>
+            </a:r>
+            <a:r>
+              <a:rPr lang="en-US" dirty="0" err="1" smtClean="0"/>
+              <a:t>méthode</a:t>
+            </a:r>
+            <a:r>
+              <a:rPr lang="en-US" dirty="0" smtClean="0"/>
+              <a:t> run)</a:t>
+            </a:r>
+            <a:br>
+              <a:rPr lang="en-US" dirty="0" smtClean="0"/>
+            </a:br>
+            <a:r>
+              <a:rPr lang="fr-FR" dirty="0"/>
+              <a:t>@return b1 état du </a:t>
+            </a:r>
+            <a:r>
+              <a:rPr lang="fr-FR" dirty="0" err="1"/>
+              <a:t>controle</a:t>
+            </a:r>
+            <a:r>
+              <a:rPr lang="fr-FR" dirty="0"/>
+              <a:t> d'entrée. False par défaut. Renvoie </a:t>
+            </a:r>
+            <a:r>
+              <a:rPr lang="fr-FR" dirty="0" err="1"/>
+              <a:t>True</a:t>
+            </a:r>
+            <a:r>
+              <a:rPr lang="fr-FR" dirty="0"/>
+              <a:t> si une erreur est </a:t>
+            </a:r>
+            <a:r>
+              <a:rPr lang="fr-FR" dirty="0" smtClean="0"/>
+              <a:t>trouvée</a:t>
+            </a:r>
+          </a:p>
+          <a:p>
+            <a:r>
+              <a:rPr lang="fr-FR" dirty="0" smtClean="0"/>
+              <a:t>Affiche un message d’erreur de saisie, l’utilisateur </a:t>
+            </a:r>
+            <a:r>
+              <a:rPr lang="fr-FR" dirty="0"/>
+              <a:t>doit donc recommencer </a:t>
+            </a:r>
+            <a:r>
+              <a:rPr lang="fr-FR" dirty="0" smtClean="0"/>
+              <a:t>jusqu’à ce que la saisie soit correcte</a:t>
+            </a:r>
+            <a:endParaRPr lang="fr-FR" dirty="0"/>
+          </a:p>
+        </p:txBody>
+      </p:sp>
+    </p:spTree>
+    <p:extLst>
+      <p:ext uri="{BB962C8B-B14F-4D97-AF65-F5344CB8AC3E}">
+        <p14:creationId xmlns:p14="http://schemas.microsoft.com/office/powerpoint/2010/main" val="1860049676"/>
+      </p:ext>
+    </p:extLst>
+  </p:cSld>
+  <p:clrMapOvr>
+    <a:masterClrMapping/>
+  </p:clrMapOvr>
+</p:sld>
+</file>
+
+<file path=ppt/slides/slide22.xml><?xml version="1.0" encoding="utf-8"?>
+<p:sld xmlns:a="http://schemas.openxmlformats.org/drawingml/2006/main" xmlns:r="http://schemas.openxmlformats.org/officeDocument/2006/relationships" xmlns:p="http://schemas.openxmlformats.org/presentationml/2006/main">
+  <p:cSld>
+    <p:spTree>
+      <p:nvGrpSpPr>
+        <p:cNvPr id="1" name=""/>
+        <p:cNvGrpSpPr/>
+        <p:nvPr/>
+      </p:nvGrpSpPr>
+      <p:grpSpPr>
+        <a:xfrm>
+          <a:off x="0" y="0"/>
+          <a:ext cx="0" cy="0"/>
+          <a:chOff x="0" y="0"/>
+          <a:chExt cx="0" cy="0"/>
+        </a:xfrm>
+      </p:grpSpPr>
+      <p:sp>
+        <p:nvSpPr>
+          <p:cNvPr id="2" name="Titre 1"/>
+          <p:cNvSpPr>
+            <a:spLocks noGrp="1"/>
+          </p:cNvSpPr>
+          <p:nvPr>
+            <p:ph type="title"/>
+          </p:nvPr>
+        </p:nvSpPr>
+        <p:spPr/>
+        <p:txBody>
+          <a:bodyPr/>
+          <a:lstStyle/>
+          <a:p>
+            <a:r>
+              <a:rPr lang="fr-FR" dirty="0" smtClean="0"/>
+              <a:t>Class </a:t>
+            </a:r>
+            <a:r>
+              <a:rPr lang="fr-FR" dirty="0" err="1" smtClean="0"/>
+              <a:t>Result</a:t>
+            </a:r>
+            <a:endParaRPr lang="fr-FR" dirty="0"/>
+          </a:p>
+        </p:txBody>
+      </p:sp>
+      <p:sp>
+        <p:nvSpPr>
+          <p:cNvPr id="3" name="Espace réservé du contenu 2"/>
+          <p:cNvSpPr>
+            <a:spLocks noGrp="1"/>
+          </p:cNvSpPr>
+          <p:nvPr>
+            <p:ph idx="1"/>
+          </p:nvPr>
+        </p:nvSpPr>
+        <p:spPr/>
+        <p:txBody>
+          <a:bodyPr/>
+          <a:lstStyle/>
+          <a:p>
+            <a:r>
+              <a:rPr lang="fr-FR" dirty="0" smtClean="0"/>
+              <a:t>Affichage du résultat </a:t>
+            </a:r>
+            <a:r>
+              <a:rPr lang="fr-FR" dirty="0"/>
+              <a:t>fin de partie : Partie gagnée, nouvel essai ou partie perdue </a:t>
+            </a:r>
+            <a:r>
+              <a:rPr lang="fr-FR" dirty="0" smtClean="0"/>
+              <a:t>(si le nombre </a:t>
+            </a:r>
+            <a:r>
+              <a:rPr lang="fr-FR" dirty="0"/>
+              <a:t>d'essais </a:t>
+            </a:r>
+            <a:r>
+              <a:rPr lang="fr-FR" dirty="0" smtClean="0"/>
+              <a:t>est dépassé : méthode </a:t>
+            </a:r>
+            <a:r>
+              <a:rPr lang="fr-FR" dirty="0" err="1" smtClean="0"/>
+              <a:t>run</a:t>
+            </a:r>
+            <a:r>
+              <a:rPr lang="fr-FR" dirty="0" smtClean="0"/>
+              <a:t>)</a:t>
+            </a:r>
+          </a:p>
+          <a:p>
+            <a:r>
+              <a:rPr lang="fr-FR" dirty="0"/>
+              <a:t>Demande à l'utilisateur de saisir le résultat de la suggestion du </a:t>
+            </a:r>
+            <a:r>
+              <a:rPr lang="fr-FR" dirty="0" smtClean="0"/>
+              <a:t>CPU (méthode </a:t>
+            </a:r>
+            <a:r>
+              <a:rPr lang="fr-FR" dirty="0" err="1" smtClean="0"/>
+              <a:t>ask</a:t>
+            </a:r>
+            <a:r>
+              <a:rPr lang="fr-FR" dirty="0" smtClean="0"/>
+              <a:t>)</a:t>
+            </a:r>
+          </a:p>
+          <a:p>
+            <a:endParaRPr lang="fr-FR" dirty="0"/>
+          </a:p>
+        </p:txBody>
+      </p:sp>
+    </p:spTree>
+    <p:extLst>
+      <p:ext uri="{BB962C8B-B14F-4D97-AF65-F5344CB8AC3E}">
+        <p14:creationId xmlns:p14="http://schemas.microsoft.com/office/powerpoint/2010/main" val="393042390"/>
+      </p:ext>
+    </p:extLst>
+  </p:cSld>
+  <p:clrMapOvr>
+    <a:masterClrMapping/>
+  </p:clrMapOvr>
+</p:sld>
+</file>
+
+<file path=ppt/slides/slide23.xml><?xml version="1.0" encoding="utf-8"?>
+<p:sld xmlns:a="http://schemas.openxmlformats.org/drawingml/2006/main" xmlns:r="http://schemas.openxmlformats.org/officeDocument/2006/relationships" xmlns:p="http://schemas.openxmlformats.org/presentationml/2006/main">
+  <p:cSld>
+    <p:spTree>
+      <p:nvGrpSpPr>
+        <p:cNvPr id="1" name=""/>
+        <p:cNvGrpSpPr/>
+        <p:nvPr/>
+      </p:nvGrpSpPr>
+      <p:grpSpPr>
+        <a:xfrm>
+          <a:off x="0" y="0"/>
+          <a:ext cx="0" cy="0"/>
+          <a:chOff x="0" y="0"/>
+          <a:chExt cx="0" cy="0"/>
+        </a:xfrm>
+      </p:grpSpPr>
+      <p:sp>
+        <p:nvSpPr>
+          <p:cNvPr id="2" name="Titre 1"/>
+          <p:cNvSpPr>
+            <a:spLocks noGrp="1"/>
+          </p:cNvSpPr>
+          <p:nvPr>
+            <p:ph type="title"/>
+          </p:nvPr>
+        </p:nvSpPr>
+        <p:spPr/>
+        <p:txBody>
+          <a:bodyPr/>
+          <a:lstStyle/>
+          <a:p>
+            <a:r>
+              <a:rPr lang="fr-FR" dirty="0" smtClean="0"/>
+              <a:t>Librairie Log4J </a:t>
+            </a:r>
+            <a:endParaRPr lang="fr-FR" dirty="0"/>
+          </a:p>
+        </p:txBody>
+      </p:sp>
+      <p:sp>
+        <p:nvSpPr>
+          <p:cNvPr id="3" name="Espace réservé du contenu 2"/>
+          <p:cNvSpPr>
+            <a:spLocks noGrp="1"/>
+          </p:cNvSpPr>
+          <p:nvPr>
+            <p:ph idx="1"/>
+          </p:nvPr>
+        </p:nvSpPr>
+        <p:spPr/>
+        <p:txBody>
+          <a:bodyPr>
+            <a:normAutofit lnSpcReduction="10000"/>
+          </a:bodyPr>
+          <a:lstStyle/>
+          <a:p>
+            <a:r>
+              <a:rPr lang="fr-FR" dirty="0">
+                <a:hlinkClick r:id="rId2"/>
+              </a:rPr>
+              <a:t>https://logging.apache.org/log4j/2.x</a:t>
+            </a:r>
+            <a:r>
+              <a:rPr lang="fr-FR" dirty="0" smtClean="0">
+                <a:hlinkClick r:id="rId2"/>
+              </a:rPr>
+              <a:t>/</a:t>
+            </a:r>
+            <a:endParaRPr lang="fr-FR" dirty="0" smtClean="0"/>
+          </a:p>
+          <a:p>
+            <a:r>
+              <a:rPr lang="fr-FR" dirty="0" smtClean="0"/>
+              <a:t>Cette librairie permet d’effectuer les logs </a:t>
+            </a:r>
+            <a:r>
+              <a:rPr lang="fr-FR" dirty="0"/>
+              <a:t>du projet</a:t>
+            </a:r>
+            <a:br>
+              <a:rPr lang="fr-FR" dirty="0"/>
+            </a:br>
+            <a:r>
+              <a:rPr lang="fr-FR" dirty="0" smtClean="0"/>
+              <a:t/>
+            </a:r>
+            <a:br>
+              <a:rPr lang="fr-FR" dirty="0" smtClean="0"/>
+            </a:br>
+            <a:r>
+              <a:rPr lang="fr-FR" dirty="0" smtClean="0"/>
+              <a:t>Le </a:t>
+            </a:r>
+            <a:r>
+              <a:rPr lang="fr-FR" dirty="0" err="1"/>
+              <a:t>logging</a:t>
+            </a:r>
+            <a:r>
+              <a:rPr lang="fr-FR" dirty="0"/>
+              <a:t> consiste à ajouter des traitements dans les applications pour permettre l'émission et le stockage de messages suite à des </a:t>
+            </a:r>
+            <a:r>
+              <a:rPr lang="fr-FR" dirty="0" smtClean="0"/>
+              <a:t>événements.</a:t>
+            </a:r>
+            <a:br>
+              <a:rPr lang="fr-FR" dirty="0" smtClean="0"/>
+            </a:br>
+            <a:r>
+              <a:rPr lang="fr-FR" dirty="0" smtClean="0"/>
+              <a:t>Le </a:t>
+            </a:r>
+            <a:r>
+              <a:rPr lang="fr-FR" dirty="0" err="1"/>
+              <a:t>logging</a:t>
+            </a:r>
+            <a:r>
+              <a:rPr lang="fr-FR" dirty="0"/>
+              <a:t> est utile pour tous les types d'applications en permettant par exemple de conserver une trace des exceptions qui sont levées dans l'application et des différents événements anormaux ou normaux liés à l'exécution de </a:t>
+            </a:r>
+            <a:r>
+              <a:rPr lang="fr-FR" dirty="0" smtClean="0"/>
+              <a:t>l'application.</a:t>
+            </a:r>
+            <a:br>
+              <a:rPr lang="fr-FR" dirty="0" smtClean="0"/>
+            </a:br>
+            <a:r>
+              <a:rPr lang="fr-FR" dirty="0" smtClean="0"/>
+              <a:t>Le </a:t>
+            </a:r>
+            <a:r>
+              <a:rPr lang="fr-FR" dirty="0" err="1"/>
+              <a:t>logging</a:t>
+            </a:r>
+            <a:r>
+              <a:rPr lang="fr-FR" dirty="0"/>
+              <a:t> permet de gérer des messages émis par une application durant son exécution et de permettre leur exploitation immédiate ou a posteriori. Ces messages sont d'ailleurs très utiles lors de la mise au point d'une application ou lors de son exploitation pour comprendre son fonctionnement ou résoudre une anomalie.</a:t>
+            </a:r>
+          </a:p>
+        </p:txBody>
+      </p:sp>
+    </p:spTree>
+    <p:extLst>
+      <p:ext uri="{BB962C8B-B14F-4D97-AF65-F5344CB8AC3E}">
+        <p14:creationId xmlns:p14="http://schemas.microsoft.com/office/powerpoint/2010/main" val="1126420756"/>
+      </p:ext>
+    </p:extLst>
+  </p:cSld>
+  <p:clrMapOvr>
+    <a:masterClrMapping/>
+  </p:clrMapOvr>
+</p:sld>
+</file>
+
+<file path=ppt/slides/slide24.xml><?xml version="1.0" encoding="utf-8"?>
+<p:sld xmlns:a="http://schemas.openxmlformats.org/drawingml/2006/main" xmlns:r="http://schemas.openxmlformats.org/officeDocument/2006/relationships" xmlns:p="http://schemas.openxmlformats.org/presentationml/2006/main">
+  <p:cSld>
+    <p:spTree>
+      <p:nvGrpSpPr>
+        <p:cNvPr id="1" name=""/>
+        <p:cNvGrpSpPr/>
+        <p:nvPr/>
+      </p:nvGrpSpPr>
+      <p:grpSpPr>
+        <a:xfrm>
+          <a:off x="0" y="0"/>
+          <a:ext cx="0" cy="0"/>
+          <a:chOff x="0" y="0"/>
+          <a:chExt cx="0" cy="0"/>
+        </a:xfrm>
+      </p:grpSpPr>
+      <p:sp>
+        <p:nvSpPr>
+          <p:cNvPr id="2" name="Titre 1"/>
+          <p:cNvSpPr>
+            <a:spLocks noGrp="1"/>
+          </p:cNvSpPr>
+          <p:nvPr>
+            <p:ph type="title"/>
+          </p:nvPr>
+        </p:nvSpPr>
+        <p:spPr/>
+        <p:txBody>
+          <a:bodyPr/>
+          <a:lstStyle/>
+          <a:p>
+            <a:endParaRPr lang="fr-FR"/>
+          </a:p>
+        </p:txBody>
+      </p:sp>
+      <p:pic>
+        <p:nvPicPr>
+          <p:cNvPr id="4" name="Espace réservé du contenu 3"/>
+          <p:cNvPicPr>
+            <a:picLocks noGrp="1" noChangeAspect="1"/>
+          </p:cNvPicPr>
+          <p:nvPr>
+            <p:ph idx="1"/>
+          </p:nvPr>
+        </p:nvPicPr>
+        <p:blipFill>
+          <a:blip r:embed="rId2">
+            <a:extLst>
+              <a:ext uri="{28A0092B-C50C-407E-A947-70E740481C1C}">
+                <a14:useLocalDpi xmlns:a14="http://schemas.microsoft.com/office/drawing/2010/main" val="0"/>
+              </a:ext>
+            </a:extLst>
+          </a:blip>
+          <a:stretch>
+            <a:fillRect/>
+          </a:stretch>
+        </p:blipFill>
+        <p:spPr>
+          <a:xfrm>
+            <a:off x="841119" y="224442"/>
+            <a:ext cx="11138958" cy="6292735"/>
+          </a:xfrm>
+        </p:spPr>
+      </p:pic>
+    </p:spTree>
+    <p:extLst>
+      <p:ext uri="{BB962C8B-B14F-4D97-AF65-F5344CB8AC3E}">
+        <p14:creationId xmlns:p14="http://schemas.microsoft.com/office/powerpoint/2010/main" val="1831246375"/>
+      </p:ext>
+    </p:extLst>
+  </p:cSld>
+  <p:clrMapOvr>
+    <a:masterClrMapping/>
+  </p:clrMapOvr>
 </p:sld>
 </file>
 
@@ -6288,374 +6866,49 @@
           <a:bodyPr/>
           <a:lstStyle/>
           <a:p>
-            <a:r>
-              <a:rPr lang="fr-FR" dirty="0" smtClean="0"/>
-              <a:t>Compiler le projet</a:t>
-            </a:r>
-            <a:endParaRPr lang="fr-FR" dirty="0"/>
-          </a:p>
-        </p:txBody>
-      </p:sp>
-      <p:sp>
-        <p:nvSpPr>
-          <p:cNvPr id="3" name="Espace réservé du contenu 2"/>
-          <p:cNvSpPr>
-            <a:spLocks noGrp="1"/>
-          </p:cNvSpPr>
+            <a:endParaRPr lang="fr-FR"/>
+          </a:p>
+        </p:txBody>
+      </p:sp>
+      <p:pic>
+        <p:nvPicPr>
+          <p:cNvPr id="4" name="Espace réservé du contenu 3"/>
+          <p:cNvPicPr>
+            <a:picLocks noGrp="1" noChangeAspect="1"/>
+          </p:cNvPicPr>
           <p:nvPr>
             <p:ph idx="1"/>
           </p:nvPr>
-        </p:nvSpPr>
-        <p:spPr/>
-        <p:txBody>
-          <a:bodyPr/>
-          <a:lstStyle/>
-          <a:p>
-            <a:r>
-              <a:rPr lang="fr-FR" dirty="0"/>
-              <a:t>Taper </a:t>
-            </a:r>
-            <a:r>
-              <a:rPr lang="fr-FR" sz="1600" i="1" dirty="0">
-                <a:solidFill>
-                  <a:schemeClr val="accent5">
-                    <a:lumMod val="75000"/>
-                  </a:schemeClr>
-                </a:solidFill>
-              </a:rPr>
-              <a:t>cd C:\Users\nomUtilisateur\Documents\Projet3-final</a:t>
-            </a:r>
-          </a:p>
-          <a:p>
-            <a:r>
-              <a:rPr lang="fr-FR" u="sng" dirty="0" smtClean="0"/>
-              <a:t>Taper la </a:t>
-            </a:r>
-            <a:r>
-              <a:rPr lang="fr-FR" u="sng" dirty="0"/>
-              <a:t>commande suivante pour compiler le projet :</a:t>
-            </a:r>
-          </a:p>
-          <a:p>
-            <a:pPr marL="0" indent="0">
-              <a:buNone/>
-            </a:pPr>
-            <a:r>
-              <a:rPr lang="fr-FR" sz="1600" i="1" dirty="0" err="1">
-                <a:solidFill>
-                  <a:schemeClr val="accent5">
-                    <a:lumMod val="75000"/>
-                  </a:schemeClr>
-                </a:solidFill>
-              </a:rPr>
-              <a:t>javac</a:t>
-            </a:r>
-            <a:r>
-              <a:rPr lang="fr-FR" sz="1600" i="1" dirty="0">
-                <a:solidFill>
-                  <a:schemeClr val="accent5">
-                    <a:lumMod val="75000"/>
-                  </a:schemeClr>
-                </a:solidFill>
-              </a:rPr>
-              <a:t> -d bin -</a:t>
-            </a:r>
-            <a:r>
-              <a:rPr lang="fr-FR" sz="1600" i="1" dirty="0" err="1">
-                <a:solidFill>
-                  <a:schemeClr val="accent5">
-                    <a:lumMod val="75000"/>
-                  </a:schemeClr>
-                </a:solidFill>
-              </a:rPr>
-              <a:t>sourcepath</a:t>
-            </a:r>
-            <a:r>
-              <a:rPr lang="fr-FR" sz="1600" i="1" dirty="0">
-                <a:solidFill>
-                  <a:schemeClr val="accent5">
-                    <a:lumMod val="75000"/>
-                  </a:schemeClr>
-                </a:solidFill>
-              </a:rPr>
-              <a:t> </a:t>
-            </a:r>
-            <a:r>
-              <a:rPr lang="fr-FR" sz="1600" i="1" dirty="0" err="1">
-                <a:solidFill>
-                  <a:schemeClr val="accent5">
-                    <a:lumMod val="75000"/>
-                  </a:schemeClr>
-                </a:solidFill>
-              </a:rPr>
-              <a:t>src</a:t>
-            </a:r>
-            <a:r>
-              <a:rPr lang="fr-FR" sz="1600" i="1" dirty="0">
-                <a:solidFill>
-                  <a:schemeClr val="accent5">
-                    <a:lumMod val="75000"/>
-                  </a:schemeClr>
-                </a:solidFill>
-              </a:rPr>
-              <a:t> -</a:t>
-            </a:r>
-            <a:r>
-              <a:rPr lang="fr-FR" sz="1600" i="1" dirty="0" err="1">
-                <a:solidFill>
-                  <a:schemeClr val="accent5">
-                    <a:lumMod val="75000"/>
-                  </a:schemeClr>
-                </a:solidFill>
-              </a:rPr>
-              <a:t>encoding</a:t>
-            </a:r>
-            <a:r>
-              <a:rPr lang="fr-FR" sz="1600" i="1" dirty="0">
-                <a:solidFill>
-                  <a:schemeClr val="accent5">
-                    <a:lumMod val="75000"/>
-                  </a:schemeClr>
-                </a:solidFill>
-              </a:rPr>
-              <a:t> UTF-8 -</a:t>
-            </a:r>
-            <a:r>
-              <a:rPr lang="fr-FR" sz="1600" i="1" dirty="0" err="1">
-                <a:solidFill>
-                  <a:schemeClr val="accent5">
-                    <a:lumMod val="75000"/>
-                  </a:schemeClr>
-                </a:solidFill>
-              </a:rPr>
-              <a:t>cp</a:t>
-            </a:r>
-            <a:r>
-              <a:rPr lang="fr-FR" sz="1600" i="1" dirty="0">
-                <a:solidFill>
-                  <a:schemeClr val="accent5">
-                    <a:lumMod val="75000"/>
-                  </a:schemeClr>
-                </a:solidFill>
-              </a:rPr>
-              <a:t> lib/log4j-1.2.17.jar </a:t>
-            </a:r>
-            <a:r>
-              <a:rPr lang="fr-FR" sz="1600" i="1" dirty="0" err="1">
-                <a:solidFill>
-                  <a:schemeClr val="accent5">
-                    <a:lumMod val="75000"/>
-                  </a:schemeClr>
-                </a:solidFill>
-              </a:rPr>
-              <a:t>src</a:t>
-            </a:r>
-            <a:r>
-              <a:rPr lang="fr-FR" sz="1600" i="1" dirty="0">
-                <a:solidFill>
-                  <a:schemeClr val="accent5">
-                    <a:lumMod val="75000"/>
-                  </a:schemeClr>
-                </a:solidFill>
-              </a:rPr>
-              <a:t>/com/</a:t>
-            </a:r>
-            <a:r>
-              <a:rPr lang="fr-FR" sz="1600" i="1" dirty="0" err="1">
-                <a:solidFill>
-                  <a:schemeClr val="accent5">
-                    <a:lumMod val="75000"/>
-                  </a:schemeClr>
-                </a:solidFill>
-              </a:rPr>
-              <a:t>ocr</a:t>
-            </a:r>
-            <a:r>
-              <a:rPr lang="fr-FR" sz="1600" i="1" dirty="0">
-                <a:solidFill>
-                  <a:schemeClr val="accent5">
-                    <a:lumMod val="75000"/>
-                  </a:schemeClr>
-                </a:solidFill>
-              </a:rPr>
-              <a:t>/</a:t>
-            </a:r>
-            <a:r>
-              <a:rPr lang="fr-FR" sz="1600" i="1" dirty="0" err="1">
-                <a:solidFill>
-                  <a:schemeClr val="accent5">
-                    <a:lumMod val="75000"/>
-                  </a:schemeClr>
-                </a:solidFill>
-              </a:rPr>
-              <a:t>vincent</a:t>
-            </a:r>
-            <a:r>
-              <a:rPr lang="fr-FR" sz="1600" i="1" dirty="0">
-                <a:solidFill>
-                  <a:schemeClr val="accent5">
-                    <a:lumMod val="75000"/>
-                  </a:schemeClr>
-                </a:solidFill>
-              </a:rPr>
-              <a:t>/Main.java</a:t>
-            </a:r>
-          </a:p>
-          <a:p>
-            <a:pPr marL="0" indent="0">
-              <a:buNone/>
-            </a:pPr>
-            <a:endParaRPr lang="fr-FR" sz="1600" dirty="0" smtClean="0"/>
-          </a:p>
-          <a:p>
-            <a:pPr marL="0" indent="0">
-              <a:buNone/>
-            </a:pPr>
-            <a:r>
-              <a:rPr lang="fr-FR" sz="1600" dirty="0" smtClean="0"/>
-              <a:t>Un </a:t>
-            </a:r>
-            <a:r>
-              <a:rPr lang="fr-FR" sz="1600" dirty="0"/>
-              <a:t>dossier nommé bin va être créé dans le dossier racine du projet, </a:t>
-            </a:r>
-            <a:r>
-              <a:rPr lang="fr-FR" sz="1600" dirty="0" smtClean="0"/>
-              <a:t>contenant </a:t>
-            </a:r>
-            <a:r>
-              <a:rPr lang="fr-FR" sz="1600" dirty="0"/>
-              <a:t>les fichiers .</a:t>
-            </a:r>
-            <a:r>
-              <a:rPr lang="fr-FR" sz="1600" dirty="0" smtClean="0"/>
-              <a:t>class</a:t>
-            </a:r>
-          </a:p>
-          <a:p>
-            <a:pPr marL="0" indent="0">
-              <a:buNone/>
-            </a:pPr>
-            <a:r>
-              <a:rPr lang="en-US" sz="1200" dirty="0"/>
-              <a:t>-d &lt;directory&gt;               </a:t>
-            </a:r>
-            <a:r>
-              <a:rPr lang="en-US" sz="1200" dirty="0" smtClean="0"/>
-              <a:t>	Specify </a:t>
-            </a:r>
-            <a:r>
-              <a:rPr lang="en-US" sz="1200" dirty="0"/>
-              <a:t>where to place generated class files</a:t>
-            </a:r>
-            <a:br>
-              <a:rPr lang="en-US" sz="1200" dirty="0"/>
-            </a:br>
-            <a:r>
-              <a:rPr lang="en-US" sz="1200" dirty="0"/>
-              <a:t>-</a:t>
-            </a:r>
-            <a:r>
-              <a:rPr lang="en-US" sz="1200" dirty="0" err="1"/>
-              <a:t>sourcepath</a:t>
-            </a:r>
-            <a:r>
-              <a:rPr lang="en-US" sz="1200" dirty="0"/>
-              <a:t> &lt;</a:t>
-            </a:r>
-            <a:r>
-              <a:rPr lang="en-US" sz="1200" dirty="0" smtClean="0"/>
-              <a:t>path&gt;	Specify </a:t>
-            </a:r>
-            <a:r>
-              <a:rPr lang="en-US" sz="1200" dirty="0"/>
-              <a:t>where to find input source files</a:t>
-            </a:r>
-            <a:br>
-              <a:rPr lang="en-US" sz="1200" dirty="0"/>
-            </a:br>
-            <a:r>
-              <a:rPr lang="en-US" sz="1200" dirty="0"/>
-              <a:t>-encoding &lt;encoding&gt;         </a:t>
-            </a:r>
-            <a:r>
-              <a:rPr lang="en-US" sz="1200" dirty="0" smtClean="0"/>
-              <a:t>	Specify </a:t>
-            </a:r>
-            <a:r>
-              <a:rPr lang="en-US" sz="1200" dirty="0"/>
-              <a:t>character encoding used by source </a:t>
-            </a:r>
-            <a:r>
-              <a:rPr lang="en-US" sz="1200" dirty="0" smtClean="0"/>
-              <a:t>files (</a:t>
-            </a:r>
-            <a:r>
-              <a:rPr lang="en-US" sz="1200" dirty="0" err="1" smtClean="0"/>
-              <a:t>problème</a:t>
-            </a:r>
-            <a:r>
-              <a:rPr lang="en-US" sz="1200" dirty="0" smtClean="0"/>
-              <a:t> </a:t>
-            </a:r>
-            <a:r>
-              <a:rPr lang="en-US" sz="1200" dirty="0" err="1" smtClean="0"/>
-              <a:t>d’accentuation</a:t>
-            </a:r>
-            <a:r>
-              <a:rPr lang="en-US" sz="1200" dirty="0"/>
-              <a:t>)</a:t>
-            </a:r>
-            <a:br>
-              <a:rPr lang="en-US" sz="1200" dirty="0"/>
-            </a:br>
-            <a:r>
-              <a:rPr lang="en-US" sz="1200" dirty="0"/>
-              <a:t>-</a:t>
-            </a:r>
-            <a:r>
-              <a:rPr lang="en-US" sz="1200" dirty="0" err="1"/>
-              <a:t>cp</a:t>
-            </a:r>
-            <a:r>
-              <a:rPr lang="en-US" sz="1200" dirty="0"/>
-              <a:t> &lt;</a:t>
-            </a:r>
-            <a:r>
-              <a:rPr lang="en-US" sz="1200" dirty="0" smtClean="0"/>
-              <a:t>path&gt;		Specify </a:t>
-            </a:r>
-            <a:r>
-              <a:rPr lang="en-US" sz="1200" dirty="0"/>
-              <a:t>where to find user class files and annotation processors</a:t>
-            </a:r>
-            <a:endParaRPr lang="fr-FR" sz="1200" dirty="0" smtClean="0"/>
-          </a:p>
-          <a:p>
-            <a:pPr marL="0" indent="0">
-              <a:buNone/>
-            </a:pPr>
-            <a:endParaRPr lang="fr-FR" sz="1200" dirty="0"/>
-          </a:p>
-        </p:txBody>
-      </p:sp>
+        </p:nvPicPr>
+        <p:blipFill>
+          <a:blip r:embed="rId2">
+            <a:extLst>
+              <a:ext uri="{28A0092B-C50C-407E-A947-70E740481C1C}">
+                <a14:useLocalDpi xmlns:a14="http://schemas.microsoft.com/office/drawing/2010/main" val="0"/>
+              </a:ext>
+            </a:extLst>
+          </a:blip>
+          <a:stretch>
+            <a:fillRect/>
+          </a:stretch>
+        </p:blipFill>
+        <p:spPr>
+          <a:xfrm>
+            <a:off x="769974" y="241068"/>
+            <a:ext cx="11287465" cy="6317673"/>
+          </a:xfrm>
+        </p:spPr>
+      </p:pic>
     </p:spTree>
     <p:extLst>
       <p:ext uri="{BB962C8B-B14F-4D97-AF65-F5344CB8AC3E}">
-        <p14:creationId xmlns:p14="http://schemas.microsoft.com/office/powerpoint/2010/main" val="3447622387"/>
+        <p14:creationId xmlns:p14="http://schemas.microsoft.com/office/powerpoint/2010/main" val="1291926970"/>
       </p:ext>
     </p:extLst>
   </p:cSld>
   <p:clrMapOvr>
     <a:masterClrMapping/>
   </p:clrMapOvr>
-  <p:timing>
-    <p:tnLst>
-      <p:par>
-        <p:cTn id="1" dur="indefinite" restart="never" nodeType="tmRoot"/>
-      </p:par>
-    </p:tnLst>
-  </p:timing>
 </p:sld>
 </file>
 
@@ -6693,12 +6946,9 @@
           <a:p>
             <a:r>
               <a:rPr lang="fr-FR" dirty="0" smtClean="0"/>
-              <a:t>Exécuter </a:t>
-            </a:r>
-            <a:r>
-              <a:rPr lang="fr-FR" dirty="0"/>
-              <a:t>le projet</a:t>
-            </a:r>
+              <a:t>Compiler le projet</a:t>
+            </a:r>
+            <a:endParaRPr lang="fr-FR" dirty="0"/>
           </a:p>
         </p:txBody>
       </p:sp>
@@ -6718,19 +6968,9 @@
           <a:lstStyle/>
           <a:p>
             <a:r>
-              <a:rPr lang="fr-FR" u="sng" dirty="0"/>
-              <a:t>Taper la commande suivante pour compiler le projet </a:t>
-            </a:r>
-            <a:r>
-              <a:rPr lang="fr-FR" u="sng" dirty="0" smtClean="0"/>
-              <a:t>:</a:t>
-            </a:r>
-            <a:endParaRPr lang="fr-FR" dirty="0" smtClean="0"/>
-          </a:p>
-          <a:p>
-            <a:pPr marL="0" indent="0">
-              <a:buNone/>
-            </a:pPr>
+              <a:rPr lang="fr-FR" dirty="0"/>
+              <a:t>Taper </a:t>
+            </a:r>
             <a:r>
               <a:rPr lang="fr-FR" sz="1600" i="1" dirty="0">
                 <a:solidFill>
@@ -6739,7 +6979,102 @@
                   </a:schemeClr>
                 </a:solidFill>
               </a:rPr>
-              <a:t>java -</a:t>
+              <a:t>cd C:\Users\nomUtilisateur\Documents\Projet3-final</a:t>
+            </a:r>
+          </a:p>
+          <a:p>
+            <a:r>
+              <a:rPr lang="fr-FR" u="sng" dirty="0" smtClean="0"/>
+              <a:t>Taper la </a:t>
+            </a:r>
+            <a:r>
+              <a:rPr lang="fr-FR" u="sng" dirty="0"/>
+              <a:t>commande suivante pour compiler le projet :</a:t>
+            </a:r>
+          </a:p>
+          <a:p>
+            <a:pPr marL="0" indent="0">
+              <a:buNone/>
+            </a:pPr>
+            <a:r>
+              <a:rPr lang="fr-FR" sz="1600" i="1" dirty="0" err="1">
+                <a:solidFill>
+                  <a:schemeClr val="accent5">
+                    <a:lumMod val="75000"/>
+                  </a:schemeClr>
+                </a:solidFill>
+              </a:rPr>
+              <a:t>javac</a:t>
+            </a:r>
+            <a:r>
+              <a:rPr lang="fr-FR" sz="1600" i="1" dirty="0">
+                <a:solidFill>
+                  <a:schemeClr val="accent5">
+                    <a:lumMod val="75000"/>
+                  </a:schemeClr>
+                </a:solidFill>
+              </a:rPr>
+              <a:t> -d bin -</a:t>
+            </a:r>
+            <a:r>
+              <a:rPr lang="fr-FR" sz="1600" i="1" dirty="0" err="1">
+                <a:solidFill>
+                  <a:schemeClr val="accent5">
+                    <a:lumMod val="75000"/>
+                  </a:schemeClr>
+                </a:solidFill>
+              </a:rPr>
+              <a:t>sourcepath</a:t>
+            </a:r>
+            <a:r>
+              <a:rPr lang="fr-FR" sz="1600" i="1" dirty="0">
+                <a:solidFill>
+                  <a:schemeClr val="accent5">
+                    <a:lumMod val="75000"/>
+                  </a:schemeClr>
+                </a:solidFill>
+              </a:rPr>
+              <a:t> </a:t>
+            </a:r>
+            <a:r>
+              <a:rPr lang="fr-FR" sz="1600" i="1" dirty="0" err="1">
+                <a:solidFill>
+                  <a:schemeClr val="accent5">
+                    <a:lumMod val="75000"/>
+                  </a:schemeClr>
+                </a:solidFill>
+              </a:rPr>
+              <a:t>src</a:t>
+            </a:r>
+            <a:r>
+              <a:rPr lang="fr-FR" sz="1600" i="1" dirty="0">
+                <a:solidFill>
+                  <a:schemeClr val="accent5">
+                    <a:lumMod val="75000"/>
+                  </a:schemeClr>
+                </a:solidFill>
+              </a:rPr>
+              <a:t> -</a:t>
+            </a:r>
+            <a:r>
+              <a:rPr lang="fr-FR" sz="1600" i="1" dirty="0" err="1">
+                <a:solidFill>
+                  <a:schemeClr val="accent5">
+                    <a:lumMod val="75000"/>
+                  </a:schemeClr>
+                </a:solidFill>
+              </a:rPr>
+              <a:t>encoding</a:t>
+            </a:r>
+            <a:r>
+              <a:rPr lang="fr-FR" sz="1600" i="1" dirty="0">
+                <a:solidFill>
+                  <a:schemeClr val="accent5">
+                    <a:lumMod val="75000"/>
+                  </a:schemeClr>
+                </a:solidFill>
+              </a:rPr>
+              <a:t> UTF-8 -</a:t>
             </a:r>
             <a:r>
               <a:rPr lang="fr-FR" sz="1600" i="1" dirty="0" err="1">
@@ -6759,7 +7094,7 @@
                   </a:schemeClr>
                 </a:solidFill>
               </a:rPr>
-              <a:t> </a:t>
+              <a:t> lib/log4j-1.2.17.jar </a:t>
             </a:r>
             <a:r>
               <a:rPr lang="fr-FR" sz="1600" i="1" dirty="0" err="1">
@@ -6769,7 +7104,7 @@
                   </a:schemeClr>
                 </a:solidFill>
               </a:rPr>
-              <a:t>bin;lib</a:t>
+              <a:t>src</a:t>
             </a:r>
             <a:r>
               <a:rPr lang="fr-FR" sz="1600" i="1" dirty="0">
@@ -6779,44 +7114,191 @@
                   </a:schemeClr>
                 </a:solidFill>
               </a:rPr>
-              <a:t>/log4j-1.2.17.jar;log;resources </a:t>
-            </a:r>
-            <a:r>
-              <a:rPr lang="fr-FR" sz="1600" i="1" dirty="0" err="1" smtClean="0">
+              <a:t>/com/</a:t>
+            </a:r>
+            <a:r>
+              <a:rPr lang="fr-FR" sz="1600" i="1" dirty="0" err="1">
                 <a:solidFill>
                   <a:schemeClr val="accent5">
                     <a:lumMod val="75000"/>
                   </a:schemeClr>
                 </a:solidFill>
               </a:rPr>
-              <a:t>com.ocr.vincent.Main</a:t>
-            </a:r>
-            <a:endParaRPr lang="fr-FR" sz="1600" i="1" dirty="0" smtClean="0">
-              <a:solidFill>
-                <a:schemeClr val="accent5">
-                  <a:lumMod val="75000"/>
-                </a:schemeClr>
-              </a:solidFill>
-            </a:endParaRPr>
+              <a:t>ocr</a:t>
+            </a:r>
+            <a:r>
+              <a:rPr lang="fr-FR" sz="1600" i="1" dirty="0">
+                <a:solidFill>
+                  <a:schemeClr val="accent5">
+                    <a:lumMod val="75000"/>
+                  </a:schemeClr>
+                </a:solidFill>
+              </a:rPr>
+              <a:t>/</a:t>
+            </a:r>
+            <a:r>
+              <a:rPr lang="fr-FR" sz="1600" i="1" dirty="0" err="1">
+                <a:solidFill>
+                  <a:schemeClr val="accent5">
+                    <a:lumMod val="75000"/>
+                  </a:schemeClr>
+                </a:solidFill>
+              </a:rPr>
+              <a:t>vincent</a:t>
+            </a:r>
+            <a:r>
+              <a:rPr lang="fr-FR" sz="1600" i="1" dirty="0">
+                <a:solidFill>
+                  <a:schemeClr val="accent5">
+                    <a:lumMod val="75000"/>
+                  </a:schemeClr>
+                </a:solidFill>
+              </a:rPr>
+              <a:t>/Main.java</a:t>
+            </a:r>
           </a:p>
           <a:p>
             <a:pPr marL="0" indent="0">
               <a:buNone/>
             </a:pPr>
-            <a:endParaRPr lang="fr-FR" sz="1600" i="1" dirty="0">
-              <a:solidFill>
-                <a:schemeClr val="accent5">
-                  <a:lumMod val="75000"/>
-                </a:schemeClr>
-              </a:solidFill>
-            </a:endParaRPr>
+            <a:endParaRPr lang="fr-FR" sz="1600" dirty="0" smtClean="0"/>
+          </a:p>
+          <a:p>
+            <a:pPr marL="0" indent="0">
+              <a:buNone/>
+            </a:pPr>
+            <a:r>
+              <a:rPr lang="fr-FR" sz="1600" dirty="0" smtClean="0"/>
+              <a:t>Un </a:t>
+            </a:r>
+            <a:r>
+              <a:rPr lang="fr-FR" sz="1600" dirty="0"/>
+              <a:t>dossier nommé bin va être créé dans le dossier racine du projet, </a:t>
+            </a:r>
+            <a:r>
+              <a:rPr lang="fr-FR" sz="1600" dirty="0" smtClean="0"/>
+              <a:t>contenant </a:t>
+            </a:r>
+            <a:r>
+              <a:rPr lang="fr-FR" sz="1600" dirty="0"/>
+              <a:t>les fichiers .</a:t>
+            </a:r>
+            <a:r>
+              <a:rPr lang="fr-FR" sz="1600" dirty="0" smtClean="0"/>
+              <a:t>class</a:t>
+            </a:r>
+          </a:p>
+          <a:p>
+            <a:pPr marL="0" indent="0">
+              <a:buNone/>
+            </a:pPr>
+            <a:r>
+              <a:rPr lang="en-US" sz="1200" dirty="0"/>
+              <a:t>-d &lt;directory&gt;               </a:t>
+            </a:r>
+            <a:r>
+              <a:rPr lang="en-US" sz="1200" dirty="0" smtClean="0"/>
+              <a:t>	Specify </a:t>
+            </a:r>
+            <a:r>
+              <a:rPr lang="en-US" sz="1200" dirty="0"/>
+              <a:t>where to place generated class files</a:t>
+            </a:r>
+            <a:br>
+              <a:rPr lang="en-US" sz="1200" dirty="0"/>
+            </a:br>
+            <a:r>
+              <a:rPr lang="en-US" sz="1200" dirty="0"/>
+              <a:t>-</a:t>
+            </a:r>
+            <a:r>
+              <a:rPr lang="en-US" sz="1200" dirty="0" err="1"/>
+              <a:t>sourcepath</a:t>
+            </a:r>
+            <a:r>
+              <a:rPr lang="en-US" sz="1200" dirty="0"/>
+              <a:t> &lt;</a:t>
+            </a:r>
+            <a:r>
+              <a:rPr lang="en-US" sz="1200" dirty="0" smtClean="0"/>
+              <a:t>path&gt;	Specify </a:t>
+            </a:r>
+            <a:r>
+              <a:rPr lang="en-US" sz="1200" dirty="0"/>
+              <a:t>where to find input source files</a:t>
+            </a:r>
+            <a:br>
+              <a:rPr lang="en-US" sz="1200" dirty="0"/>
+            </a:br>
+            <a:r>
+              <a:rPr lang="en-US" sz="1200" dirty="0"/>
+              <a:t>-encoding &lt;encoding&gt;         </a:t>
+            </a:r>
+            <a:r>
+              <a:rPr lang="en-US" sz="1200" dirty="0" smtClean="0"/>
+              <a:t>	Specify </a:t>
+            </a:r>
+            <a:r>
+              <a:rPr lang="en-US" sz="1200" dirty="0"/>
+              <a:t>character encoding used by source </a:t>
+            </a:r>
+            <a:r>
+              <a:rPr lang="en-US" sz="1200" dirty="0" smtClean="0"/>
+              <a:t>files (</a:t>
+            </a:r>
+            <a:r>
+              <a:rPr lang="en-US" sz="1200" dirty="0" err="1" smtClean="0"/>
+              <a:t>problème</a:t>
+            </a:r>
+            <a:r>
+              <a:rPr lang="en-US" sz="1200" dirty="0" smtClean="0"/>
+              <a:t> </a:t>
+            </a:r>
+            <a:r>
+              <a:rPr lang="en-US" sz="1200" dirty="0" err="1" smtClean="0"/>
+              <a:t>d’accentuation</a:t>
+            </a:r>
+            <a:r>
+              <a:rPr lang="en-US" sz="1200" dirty="0"/>
+              <a:t>)</a:t>
+            </a:r>
+            <a:br>
+              <a:rPr lang="en-US" sz="1200" dirty="0"/>
+            </a:br>
+            <a:r>
+              <a:rPr lang="en-US" sz="1200" dirty="0"/>
+              <a:t>-</a:t>
+            </a:r>
+            <a:r>
+              <a:rPr lang="en-US" sz="1200" dirty="0" err="1"/>
+              <a:t>cp</a:t>
+            </a:r>
+            <a:r>
+              <a:rPr lang="en-US" sz="1200" dirty="0"/>
+              <a:t> &lt;</a:t>
+            </a:r>
+            <a:r>
+              <a:rPr lang="en-US" sz="1200" dirty="0" smtClean="0"/>
+              <a:t>path&gt;		Specify </a:t>
+            </a:r>
+            <a:r>
+              <a:rPr lang="en-US" sz="1200" dirty="0"/>
+              <a:t>where to find user class files and annotation processors</a:t>
+            </a:r>
+            <a:endParaRPr lang="fr-FR" sz="1200" dirty="0" smtClean="0"/>
+          </a:p>
+          <a:p>
+            <a:pPr marL="0" indent="0">
+              <a:buNone/>
+            </a:pPr>
+            <a:endParaRPr lang="fr-FR" sz="1200" dirty="0"/>
           </a:p>
         </p:txBody>
       </p:sp>
     </p:spTree>
     <p:extLst>
       <p:ext uri="{BB962C8B-B14F-4D97-AF65-F5344CB8AC3E}">
-        <p14:creationId xmlns:p14="http://schemas.microsoft.com/office/powerpoint/2010/main" val="4061518410"/>
+        <p14:creationId xmlns:p14="http://schemas.microsoft.com/office/powerpoint/2010/main" val="3447622387"/>
       </p:ext>
     </p:extLst>
   </p:cSld>
@@ -6865,273 +7347,132 @@
           <a:bodyPr/>
           <a:lstStyle/>
           <a:p>
-            <a:endParaRPr lang="fr-FR"/>
-          </a:p>
-        </p:txBody>
-      </p:sp>
-      <p:pic>
-        <p:nvPicPr>
-          <p:cNvPr id="4" name="Espace réservé du contenu 3"/>
-          <p:cNvPicPr>
-            <a:picLocks noGrp="1" noChangeAspect="1"/>
-          </p:cNvPicPr>
+            <a:r>
+              <a:rPr lang="fr-FR" dirty="0" smtClean="0"/>
+              <a:t>Exécuter </a:t>
+            </a:r>
+            <a:r>
+              <a:rPr lang="fr-FR" dirty="0"/>
+              <a:t>le projet</a:t>
+            </a:r>
+          </a:p>
+        </p:txBody>
+      </p:sp>
+      <p:sp>
+        <p:nvSpPr>
+          <p:cNvPr id="3" name="Espace réservé du contenu 2"/>
+          <p:cNvSpPr>
+            <a:spLocks noGrp="1"/>
+          </p:cNvSpPr>
           <p:nvPr>
             <p:ph idx="1"/>
           </p:nvPr>
-        </p:nvPicPr>
-        <p:blipFill>
-          <a:blip r:embed="rId2">
-            <a:extLst>
-              <a:ext uri="{28A0092B-C50C-407E-A947-70E740481C1C}">
-                <a14:useLocalDpi xmlns:a14="http://schemas.microsoft.com/office/drawing/2010/main" val="0"/>
-              </a:ext>
-            </a:extLst>
-          </a:blip>
-          <a:stretch>
-            <a:fillRect/>
-          </a:stretch>
-        </p:blipFill>
-        <p:spPr>
-          <a:xfrm>
-            <a:off x="906087" y="120535"/>
-            <a:ext cx="11198550" cy="5881254"/>
-          </a:xfrm>
-        </p:spPr>
-      </p:pic>
-      <p:sp>
-        <p:nvSpPr>
-          <p:cNvPr id="5" name="Rectangle 4"/>
-          <p:cNvSpPr/>
-          <p:nvPr/>
-        </p:nvSpPr>
-        <p:spPr>
-          <a:xfrm>
-            <a:off x="3075709" y="1313411"/>
-            <a:ext cx="5469775" cy="340822"/>
-          </a:xfrm>
-          <a:prstGeom prst="rect">
-            <a:avLst/>
-          </a:prstGeom>
-          <a:noFill/>
-          <a:ln>
-            <a:solidFill>
-              <a:srgbClr val="92D050"/>
-            </a:solidFill>
-          </a:ln>
-        </p:spPr>
-        <p:style>
-          <a:lnRef idx="2">
-            <a:schemeClr val="accent6">
-              <a:shade val="50000"/>
-            </a:schemeClr>
-          </a:lnRef>
-          <a:fillRef idx="1">
-            <a:schemeClr val="accent6"/>
-          </a:fillRef>
-          <a:effectRef idx="0">
-            <a:schemeClr val="accent6"/>
-          </a:effectRef>
-          <a:fontRef idx="minor">
-            <a:schemeClr val="lt1"/>
-          </a:fontRef>
-        </p:style>
-        <p:txBody>
-          <a:bodyPr rtlCol="0" anchor="ctr"/>
+        </p:nvSpPr>
+        <p:spPr/>
+        <p:txBody>
+          <a:bodyPr/>
           <a:lstStyle/>
           <a:p>
-            <a:pPr algn="ctr"/>
-            <a:endParaRPr lang="fr-FR"/>
-          </a:p>
-        </p:txBody>
-      </p:sp>
-      <p:sp>
-        <p:nvSpPr>
-          <p:cNvPr id="6" name="Rectangle 5"/>
-          <p:cNvSpPr/>
-          <p:nvPr/>
-        </p:nvSpPr>
-        <p:spPr>
-          <a:xfrm>
-            <a:off x="3075708" y="2970414"/>
-            <a:ext cx="1596045" cy="340822"/>
-          </a:xfrm>
-          <a:prstGeom prst="rect">
-            <a:avLst/>
-          </a:prstGeom>
-          <a:noFill/>
-          <a:ln>
-            <a:solidFill>
-              <a:srgbClr val="92D050"/>
-            </a:solidFill>
-          </a:ln>
-        </p:spPr>
-        <p:style>
-          <a:lnRef idx="2">
-            <a:schemeClr val="accent6">
-              <a:shade val="50000"/>
-            </a:schemeClr>
-          </a:lnRef>
-          <a:fillRef idx="1">
-            <a:schemeClr val="accent6"/>
-          </a:fillRef>
-          <a:effectRef idx="0">
-            <a:schemeClr val="accent6"/>
-          </a:effectRef>
-          <a:fontRef idx="minor">
-            <a:schemeClr val="lt1"/>
-          </a:fontRef>
-        </p:style>
-        <p:txBody>
-          <a:bodyPr rtlCol="0" anchor="ctr"/>
-          <a:lstStyle/>
-          <a:p>
-            <a:pPr algn="ctr"/>
-            <a:endParaRPr lang="fr-FR"/>
-          </a:p>
-        </p:txBody>
-      </p:sp>
-      <p:sp>
-        <p:nvSpPr>
-          <p:cNvPr id="7" name="Rectangle 6"/>
-          <p:cNvSpPr/>
-          <p:nvPr/>
-        </p:nvSpPr>
-        <p:spPr>
-          <a:xfrm>
-            <a:off x="4358640" y="3346565"/>
-            <a:ext cx="7595062" cy="340822"/>
-          </a:xfrm>
-          <a:prstGeom prst="rect">
-            <a:avLst/>
-          </a:prstGeom>
-          <a:noFill/>
-          <a:ln>
-            <a:solidFill>
-              <a:srgbClr val="92D050"/>
-            </a:solidFill>
-          </a:ln>
-        </p:spPr>
-        <p:style>
-          <a:lnRef idx="2">
-            <a:schemeClr val="accent6">
-              <a:shade val="50000"/>
-            </a:schemeClr>
-          </a:lnRef>
-          <a:fillRef idx="1">
-            <a:schemeClr val="accent6"/>
-          </a:fillRef>
-          <a:effectRef idx="0">
-            <a:schemeClr val="accent6"/>
-          </a:effectRef>
-          <a:fontRef idx="minor">
-            <a:schemeClr val="lt1"/>
-          </a:fontRef>
-        </p:style>
-        <p:txBody>
-          <a:bodyPr rtlCol="0" anchor="ctr"/>
-          <a:lstStyle/>
-          <a:p>
-            <a:pPr algn="ctr"/>
-            <a:endParaRPr lang="fr-FR"/>
-          </a:p>
-        </p:txBody>
-      </p:sp>
-      <p:sp>
-        <p:nvSpPr>
-          <p:cNvPr id="8" name="Rectangle 7"/>
-          <p:cNvSpPr/>
-          <p:nvPr/>
-        </p:nvSpPr>
-        <p:spPr>
-          <a:xfrm>
-            <a:off x="825731" y="3575511"/>
-            <a:ext cx="1784465" cy="340822"/>
-          </a:xfrm>
-          <a:prstGeom prst="rect">
-            <a:avLst/>
-          </a:prstGeom>
-          <a:noFill/>
-          <a:ln>
-            <a:solidFill>
-              <a:srgbClr val="92D050"/>
-            </a:solidFill>
-          </a:ln>
-        </p:spPr>
-        <p:style>
-          <a:lnRef idx="2">
-            <a:schemeClr val="accent6">
-              <a:shade val="50000"/>
-            </a:schemeClr>
-          </a:lnRef>
-          <a:fillRef idx="1">
-            <a:schemeClr val="accent6"/>
-          </a:fillRef>
-          <a:effectRef idx="0">
-            <a:schemeClr val="accent6"/>
-          </a:effectRef>
-          <a:fontRef idx="minor">
-            <a:schemeClr val="lt1"/>
-          </a:fontRef>
-        </p:style>
-        <p:txBody>
-          <a:bodyPr rtlCol="0" anchor="ctr"/>
-          <a:lstStyle/>
-          <a:p>
-            <a:pPr algn="ctr"/>
-            <a:endParaRPr lang="fr-FR"/>
-          </a:p>
-        </p:txBody>
-      </p:sp>
-      <p:sp>
-        <p:nvSpPr>
-          <p:cNvPr id="9" name="Rectangle 8"/>
-          <p:cNvSpPr/>
-          <p:nvPr/>
-        </p:nvSpPr>
-        <p:spPr>
-          <a:xfrm>
-            <a:off x="4358640" y="3916333"/>
-            <a:ext cx="6389716" cy="340822"/>
-          </a:xfrm>
-          <a:prstGeom prst="rect">
-            <a:avLst/>
-          </a:prstGeom>
-          <a:noFill/>
-          <a:ln>
-            <a:solidFill>
-              <a:srgbClr val="92D050"/>
-            </a:solidFill>
-          </a:ln>
-        </p:spPr>
-        <p:style>
-          <a:lnRef idx="2">
-            <a:schemeClr val="accent6">
-              <a:shade val="50000"/>
-            </a:schemeClr>
-          </a:lnRef>
-          <a:fillRef idx="1">
-            <a:schemeClr val="accent6"/>
-          </a:fillRef>
-          <a:effectRef idx="0">
-            <a:schemeClr val="accent6"/>
-          </a:effectRef>
-          <a:fontRef idx="minor">
-            <a:schemeClr val="lt1"/>
-          </a:fontRef>
-        </p:style>
-        <p:txBody>
-          <a:bodyPr rtlCol="0" anchor="ctr"/>
-          <a:lstStyle/>
-          <a:p>
-            <a:pPr algn="ctr"/>
-            <a:endParaRPr lang="fr-FR"/>
+            <a:r>
+              <a:rPr lang="fr-FR" u="sng" dirty="0"/>
+              <a:t>Taper la commande suivante pour compiler le projet </a:t>
+            </a:r>
+            <a:r>
+              <a:rPr lang="fr-FR" u="sng" dirty="0" smtClean="0"/>
+              <a:t>:</a:t>
+            </a:r>
+            <a:endParaRPr lang="fr-FR" dirty="0" smtClean="0"/>
+          </a:p>
+          <a:p>
+            <a:pPr marL="0" indent="0">
+              <a:buNone/>
+            </a:pPr>
+            <a:r>
+              <a:rPr lang="fr-FR" sz="1600" i="1" dirty="0">
+                <a:solidFill>
+                  <a:schemeClr val="accent5">
+                    <a:lumMod val="75000"/>
+                  </a:schemeClr>
+                </a:solidFill>
+              </a:rPr>
+              <a:t>java -</a:t>
+            </a:r>
+            <a:r>
+              <a:rPr lang="fr-FR" sz="1600" i="1" dirty="0" err="1">
+                <a:solidFill>
+                  <a:schemeClr val="accent5">
+                    <a:lumMod val="75000"/>
+                  </a:schemeClr>
+                </a:solidFill>
+              </a:rPr>
+              <a:t>cp</a:t>
+            </a:r>
+            <a:r>
+              <a:rPr lang="fr-FR" sz="1600" i="1" dirty="0">
+                <a:solidFill>
+                  <a:schemeClr val="accent5">
+                    <a:lumMod val="75000"/>
+                  </a:schemeClr>
+                </a:solidFill>
+              </a:rPr>
+              <a:t> </a:t>
+            </a:r>
+            <a:r>
+              <a:rPr lang="fr-FR" sz="1600" i="1" dirty="0" err="1">
+                <a:solidFill>
+                  <a:schemeClr val="accent5">
+                    <a:lumMod val="75000"/>
+                  </a:schemeClr>
+                </a:solidFill>
+              </a:rPr>
+              <a:t>bin;lib</a:t>
+            </a:r>
+            <a:r>
+              <a:rPr lang="fr-FR" sz="1600" i="1" dirty="0">
+                <a:solidFill>
+                  <a:schemeClr val="accent5">
+                    <a:lumMod val="75000"/>
+                  </a:schemeClr>
+                </a:solidFill>
+              </a:rPr>
+              <a:t>/log4j-1.2.17.jar;log;resources </a:t>
+            </a:r>
+            <a:r>
+              <a:rPr lang="fr-FR" sz="1600" i="1" dirty="0" err="1" smtClean="0">
+                <a:solidFill>
+                  <a:schemeClr val="accent5">
+                    <a:lumMod val="75000"/>
+                  </a:schemeClr>
+                </a:solidFill>
+              </a:rPr>
+              <a:t>com.ocr.vincent.Main</a:t>
+            </a:r>
+            <a:endParaRPr lang="fr-FR" sz="1600" i="1" dirty="0" smtClean="0">
+              <a:solidFill>
+                <a:schemeClr val="accent5">
+                  <a:lumMod val="75000"/>
+                </a:schemeClr>
+              </a:solidFill>
+            </a:endParaRPr>
+          </a:p>
+          <a:p>
+            <a:pPr marL="0" indent="0">
+              <a:buNone/>
+            </a:pPr>
+            <a:endParaRPr lang="fr-FR" sz="1600" i="1" dirty="0">
+              <a:solidFill>
+                <a:schemeClr val="accent5">
+                  <a:lumMod val="75000"/>
+                </a:schemeClr>
+              </a:solidFill>
+            </a:endParaRPr>
           </a:p>
         </p:txBody>
       </p:sp>
     </p:spTree>
     <p:extLst>
       <p:ext uri="{BB962C8B-B14F-4D97-AF65-F5344CB8AC3E}">
-        <p14:creationId xmlns:p14="http://schemas.microsoft.com/office/powerpoint/2010/main" val="1223739272"/>
+        <p14:creationId xmlns:p14="http://schemas.microsoft.com/office/powerpoint/2010/main" val="4061518410"/>
       </p:ext>
     </p:extLst>
   </p:cSld>
@@ -7172,6 +7513,321 @@
             <a:spLocks noGrp="1"/>
           </p:cNvSpPr>
           <p:nvPr>
+            <p:ph type="title"/>
+          </p:nvPr>
+        </p:nvSpPr>
+        <p:spPr/>
+        <p:txBody>
+          <a:bodyPr/>
+          <a:lstStyle/>
+          <a:p>
+            <a:endParaRPr lang="fr-FR"/>
+          </a:p>
+        </p:txBody>
+      </p:sp>
+      <p:pic>
+        <p:nvPicPr>
+          <p:cNvPr id="4" name="Espace réservé du contenu 3"/>
+          <p:cNvPicPr>
+            <a:picLocks noGrp="1" noChangeAspect="1"/>
+          </p:cNvPicPr>
+          <p:nvPr>
+            <p:ph idx="1"/>
+          </p:nvPr>
+        </p:nvPicPr>
+        <p:blipFill>
+          <a:blip r:embed="rId2">
+            <a:extLst>
+              <a:ext uri="{28A0092B-C50C-407E-A947-70E740481C1C}">
+                <a14:useLocalDpi xmlns:a14="http://schemas.microsoft.com/office/drawing/2010/main" val="0"/>
+              </a:ext>
+            </a:extLst>
+          </a:blip>
+          <a:stretch>
+            <a:fillRect/>
+          </a:stretch>
+        </p:blipFill>
+        <p:spPr>
+          <a:xfrm>
+            <a:off x="906087" y="120535"/>
+            <a:ext cx="11198550" cy="5881254"/>
+          </a:xfrm>
+        </p:spPr>
+      </p:pic>
+      <p:sp>
+        <p:nvSpPr>
+          <p:cNvPr id="5" name="Rectangle 4"/>
+          <p:cNvSpPr/>
+          <p:nvPr/>
+        </p:nvSpPr>
+        <p:spPr>
+          <a:xfrm>
+            <a:off x="3075709" y="1313411"/>
+            <a:ext cx="5469775" cy="340822"/>
+          </a:xfrm>
+          <a:prstGeom prst="rect">
+            <a:avLst/>
+          </a:prstGeom>
+          <a:noFill/>
+          <a:ln>
+            <a:solidFill>
+              <a:srgbClr val="92D050"/>
+            </a:solidFill>
+          </a:ln>
+        </p:spPr>
+        <p:style>
+          <a:lnRef idx="2">
+            <a:schemeClr val="accent6">
+              <a:shade val="50000"/>
+            </a:schemeClr>
+          </a:lnRef>
+          <a:fillRef idx="1">
+            <a:schemeClr val="accent6"/>
+          </a:fillRef>
+          <a:effectRef idx="0">
+            <a:schemeClr val="accent6"/>
+          </a:effectRef>
+          <a:fontRef idx="minor">
+            <a:schemeClr val="lt1"/>
+          </a:fontRef>
+        </p:style>
+        <p:txBody>
+          <a:bodyPr rtlCol="0" anchor="ctr"/>
+          <a:lstStyle/>
+          <a:p>
+            <a:pPr algn="ctr"/>
+            <a:endParaRPr lang="fr-FR"/>
+          </a:p>
+        </p:txBody>
+      </p:sp>
+      <p:sp>
+        <p:nvSpPr>
+          <p:cNvPr id="6" name="Rectangle 5"/>
+          <p:cNvSpPr/>
+          <p:nvPr/>
+        </p:nvSpPr>
+        <p:spPr>
+          <a:xfrm>
+            <a:off x="3075708" y="2970414"/>
+            <a:ext cx="1596045" cy="340822"/>
+          </a:xfrm>
+          <a:prstGeom prst="rect">
+            <a:avLst/>
+          </a:prstGeom>
+          <a:noFill/>
+          <a:ln>
+            <a:solidFill>
+              <a:srgbClr val="92D050"/>
+            </a:solidFill>
+          </a:ln>
+        </p:spPr>
+        <p:style>
+          <a:lnRef idx="2">
+            <a:schemeClr val="accent6">
+              <a:shade val="50000"/>
+            </a:schemeClr>
+          </a:lnRef>
+          <a:fillRef idx="1">
+            <a:schemeClr val="accent6"/>
+          </a:fillRef>
+          <a:effectRef idx="0">
+            <a:schemeClr val="accent6"/>
+          </a:effectRef>
+          <a:fontRef idx="minor">
+            <a:schemeClr val="lt1"/>
+          </a:fontRef>
+        </p:style>
+        <p:txBody>
+          <a:bodyPr rtlCol="0" anchor="ctr"/>
+          <a:lstStyle/>
+          <a:p>
+            <a:pPr algn="ctr"/>
+            <a:endParaRPr lang="fr-FR"/>
+          </a:p>
+        </p:txBody>
+      </p:sp>
+      <p:sp>
+        <p:nvSpPr>
+          <p:cNvPr id="7" name="Rectangle 6"/>
+          <p:cNvSpPr/>
+          <p:nvPr/>
+        </p:nvSpPr>
+        <p:spPr>
+          <a:xfrm>
+            <a:off x="4358640" y="3346565"/>
+            <a:ext cx="7595062" cy="340822"/>
+          </a:xfrm>
+          <a:prstGeom prst="rect">
+            <a:avLst/>
+          </a:prstGeom>
+          <a:noFill/>
+          <a:ln>
+            <a:solidFill>
+              <a:srgbClr val="92D050"/>
+            </a:solidFill>
+          </a:ln>
+        </p:spPr>
+        <p:style>
+          <a:lnRef idx="2">
+            <a:schemeClr val="accent6">
+              <a:shade val="50000"/>
+            </a:schemeClr>
+          </a:lnRef>
+          <a:fillRef idx="1">
+            <a:schemeClr val="accent6"/>
+          </a:fillRef>
+          <a:effectRef idx="0">
+            <a:schemeClr val="accent6"/>
+          </a:effectRef>
+          <a:fontRef idx="minor">
+            <a:schemeClr val="lt1"/>
+          </a:fontRef>
+        </p:style>
+        <p:txBody>
+          <a:bodyPr rtlCol="0" anchor="ctr"/>
+          <a:lstStyle/>
+          <a:p>
+            <a:pPr algn="ctr"/>
+            <a:endParaRPr lang="fr-FR"/>
+          </a:p>
+        </p:txBody>
+      </p:sp>
+      <p:sp>
+        <p:nvSpPr>
+          <p:cNvPr id="8" name="Rectangle 7"/>
+          <p:cNvSpPr/>
+          <p:nvPr/>
+        </p:nvSpPr>
+        <p:spPr>
+          <a:xfrm>
+            <a:off x="825731" y="3575511"/>
+            <a:ext cx="1784465" cy="340822"/>
+          </a:xfrm>
+          <a:prstGeom prst="rect">
+            <a:avLst/>
+          </a:prstGeom>
+          <a:noFill/>
+          <a:ln>
+            <a:solidFill>
+              <a:srgbClr val="92D050"/>
+            </a:solidFill>
+          </a:ln>
+        </p:spPr>
+        <p:style>
+          <a:lnRef idx="2">
+            <a:schemeClr val="accent6">
+              <a:shade val="50000"/>
+            </a:schemeClr>
+          </a:lnRef>
+          <a:fillRef idx="1">
+            <a:schemeClr val="accent6"/>
+          </a:fillRef>
+          <a:effectRef idx="0">
+            <a:schemeClr val="accent6"/>
+          </a:effectRef>
+          <a:fontRef idx="minor">
+            <a:schemeClr val="lt1"/>
+          </a:fontRef>
+        </p:style>
+        <p:txBody>
+          <a:bodyPr rtlCol="0" anchor="ctr"/>
+          <a:lstStyle/>
+          <a:p>
+            <a:pPr algn="ctr"/>
+            <a:endParaRPr lang="fr-FR"/>
+          </a:p>
+        </p:txBody>
+      </p:sp>
+      <p:sp>
+        <p:nvSpPr>
+          <p:cNvPr id="9" name="Rectangle 8"/>
+          <p:cNvSpPr/>
+          <p:nvPr/>
+        </p:nvSpPr>
+        <p:spPr>
+          <a:xfrm>
+            <a:off x="4358640" y="3916333"/>
+            <a:ext cx="6389716" cy="340822"/>
+          </a:xfrm>
+          <a:prstGeom prst="rect">
+            <a:avLst/>
+          </a:prstGeom>
+          <a:noFill/>
+          <a:ln>
+            <a:solidFill>
+              <a:srgbClr val="92D050"/>
+            </a:solidFill>
+          </a:ln>
+        </p:spPr>
+        <p:style>
+          <a:lnRef idx="2">
+            <a:schemeClr val="accent6">
+              <a:shade val="50000"/>
+            </a:schemeClr>
+          </a:lnRef>
+          <a:fillRef idx="1">
+            <a:schemeClr val="accent6"/>
+          </a:fillRef>
+          <a:effectRef idx="0">
+            <a:schemeClr val="accent6"/>
+          </a:effectRef>
+          <a:fontRef idx="minor">
+            <a:schemeClr val="lt1"/>
+          </a:fontRef>
+        </p:style>
+        <p:txBody>
+          <a:bodyPr rtlCol="0" anchor="ctr"/>
+          <a:lstStyle/>
+          <a:p>
+            <a:pPr algn="ctr"/>
+            <a:endParaRPr lang="fr-FR"/>
+          </a:p>
+        </p:txBody>
+      </p:sp>
+    </p:spTree>
+    <p:extLst>
+      <p:ext uri="{BB962C8B-B14F-4D97-AF65-F5344CB8AC3E}">
+        <p14:creationId xmlns:p14="http://schemas.microsoft.com/office/powerpoint/2010/main" val="1223739272"/>
+      </p:ext>
+    </p:extLst>
+  </p:cSld>
+  <p:clrMapOvr>
+    <a:masterClrMapping/>
+  </p:clrMapOvr>
+  <p:timing>
+    <p:tnLst>
+      <p:par>
+        <p:cTn id="1" dur="indefinite" restart="never" nodeType="tmRoot"/>
+      </p:par>
+    </p:tnLst>
+  </p:timing>
+</p:sld>
+</file>
+
+<file path=ppt/slides/slide8.xml><?xml version="1.0" encoding="utf-8"?>
+<p:sld xmlns:a="http://schemas.openxmlformats.org/drawingml/2006/main" xmlns:r="http://schemas.openxmlformats.org/officeDocument/2006/relationships" xmlns:p="http://schemas.openxmlformats.org/presentationml/2006/main">
+  <p:cSld>
+    <p:spTree>
+      <p:nvGrpSpPr>
+        <p:cNvPr id="1" name=""/>
+        <p:cNvGrpSpPr/>
+        <p:nvPr/>
+      </p:nvGrpSpPr>
+      <p:grpSpPr>
+        <a:xfrm>
+          <a:off x="0" y="0"/>
+          <a:ext cx="0" cy="0"/>
+          <a:chOff x="0" y="0"/>
+          <a:chExt cx="0" cy="0"/>
+        </a:xfrm>
+      </p:grpSpPr>
+      <p:sp>
+        <p:nvSpPr>
+          <p:cNvPr id="2" name="Titre 1"/>
+          <p:cNvSpPr>
+            <a:spLocks noGrp="1"/>
+          </p:cNvSpPr>
+          <p:nvPr>
             <p:ph type="ctrTitle"/>
           </p:nvPr>
         </p:nvSpPr>
@@ -7236,7 +7892,7 @@
 </p:sld>
 </file>
 
-<file path=ppt/slides/slide8.xml><?xml version="1.0" encoding="utf-8"?>
+<file path=ppt/slides/slide9.xml><?xml version="1.0" encoding="utf-8"?>
 <p:sld xmlns:a="http://schemas.openxmlformats.org/drawingml/2006/main" xmlns:r="http://schemas.openxmlformats.org/officeDocument/2006/relationships" xmlns:p="http://schemas.openxmlformats.org/presentationml/2006/main">
   <p:cSld>
     <p:spTree>
@@ -7305,201 +7961,6 @@
     <p:extLst>
       <p:ext uri="{BB962C8B-B14F-4D97-AF65-F5344CB8AC3E}">
         <p14:creationId xmlns:p14="http://schemas.microsoft.com/office/powerpoint/2010/main" val="741437231"/>
-      </p:ext>
-    </p:extLst>
-  </p:cSld>
-  <p:clrMapOvr>
-    <a:masterClrMapping/>
-  </p:clrMapOvr>
-  <p:timing>
-    <p:tnLst>
-      <p:par>
-        <p:cTn id="1" dur="indefinite" restart="never" nodeType="tmRoot"/>
-      </p:par>
-    </p:tnLst>
-  </p:timing>
-</p:sld>
-</file>
-
-<file path=ppt/slides/slide9.xml><?xml version="1.0" encoding="utf-8"?>
-<p:sld xmlns:a="http://schemas.openxmlformats.org/drawingml/2006/main" xmlns:r="http://schemas.openxmlformats.org/officeDocument/2006/relationships" xmlns:p="http://schemas.openxmlformats.org/presentationml/2006/main">
-  <p:cSld>
-    <p:spTree>
-      <p:nvGrpSpPr>
-        <p:cNvPr id="1" name=""/>
-        <p:cNvGrpSpPr/>
-        <p:nvPr/>
-      </p:nvGrpSpPr>
-      <p:grpSpPr>
-        <a:xfrm>
-          <a:off x="0" y="0"/>
-          <a:ext cx="0" cy="0"/>
-          <a:chOff x="0" y="0"/>
-          <a:chExt cx="0" cy="0"/>
-        </a:xfrm>
-      </p:grpSpPr>
-      <p:sp>
-        <p:nvSpPr>
-          <p:cNvPr id="2" name="Titre 1"/>
-          <p:cNvSpPr>
-            <a:spLocks noGrp="1"/>
-          </p:cNvSpPr>
-          <p:nvPr>
-            <p:ph type="title"/>
-          </p:nvPr>
-        </p:nvSpPr>
-        <p:spPr/>
-        <p:txBody>
-          <a:bodyPr/>
-          <a:lstStyle/>
-          <a:p>
-            <a:r>
-              <a:rPr lang="fr-FR" dirty="0" smtClean="0"/>
-              <a:t>Class Main</a:t>
-            </a:r>
-            <a:endParaRPr lang="fr-FR" dirty="0"/>
-          </a:p>
-        </p:txBody>
-      </p:sp>
-      <p:sp>
-        <p:nvSpPr>
-          <p:cNvPr id="3" name="Espace réservé du contenu 2"/>
-          <p:cNvSpPr>
-            <a:spLocks noGrp="1"/>
-          </p:cNvSpPr>
-          <p:nvPr>
-            <p:ph idx="1"/>
-          </p:nvPr>
-        </p:nvSpPr>
-        <p:spPr/>
-        <p:txBody>
-          <a:bodyPr/>
-          <a:lstStyle/>
-          <a:p>
-            <a:r>
-              <a:rPr lang="fr-FR" dirty="0"/>
-              <a:t>Chargement des settings à partir du fichier /</a:t>
-            </a:r>
-            <a:r>
-              <a:rPr lang="fr-FR" dirty="0" err="1"/>
-              <a:t>resources</a:t>
-            </a:r>
-            <a:r>
-              <a:rPr lang="fr-FR" dirty="0"/>
-              <a:t>/</a:t>
-            </a:r>
-            <a:r>
-              <a:rPr lang="fr-FR" dirty="0" err="1"/>
-              <a:t>settings.properties</a:t>
-            </a:r>
-            <a:r>
-              <a:rPr lang="fr-FR" dirty="0"/>
-              <a:t> </a:t>
-            </a:r>
-            <a:endParaRPr lang="fr-FR" dirty="0" smtClean="0"/>
-          </a:p>
-          <a:p>
-            <a:pPr marL="0" indent="0">
-              <a:buNone/>
-            </a:pPr>
-            <a:r>
-              <a:rPr lang="fr-FR" dirty="0"/>
-              <a:t>Appelle la méthode </a:t>
-            </a:r>
-            <a:r>
-              <a:rPr lang="fr-FR" dirty="0" err="1" smtClean="0"/>
-              <a:t>settings.load</a:t>
-            </a:r>
-            <a:endParaRPr lang="fr-FR" dirty="0" smtClean="0"/>
-          </a:p>
-          <a:p>
-            <a:r>
-              <a:rPr lang="fr-FR" dirty="0" smtClean="0"/>
-              <a:t>Création d’une nouvelle partie :</a:t>
-            </a:r>
-            <a:br>
-              <a:rPr lang="fr-FR" dirty="0" smtClean="0"/>
-            </a:br>
-            <a:r>
-              <a:rPr lang="fr-FR" dirty="0" smtClean="0"/>
-              <a:t>Appelle la méthode </a:t>
-            </a:r>
-            <a:r>
-              <a:rPr lang="fr-FR" i="1" dirty="0" err="1" smtClean="0"/>
-              <a:t>game.play</a:t>
-            </a:r>
-            <a:r>
-              <a:rPr lang="fr-FR" dirty="0" smtClean="0"/>
-              <a:t> : lancement d’un partie</a:t>
-            </a:r>
-          </a:p>
-          <a:p>
-            <a:r>
-              <a:rPr lang="fr-FR" dirty="0" smtClean="0"/>
-              <a:t>Relance </a:t>
-            </a:r>
-            <a:r>
-              <a:rPr lang="fr-FR" dirty="0"/>
-              <a:t>une nouvelle partie ou de quitter le </a:t>
-            </a:r>
-            <a:r>
-              <a:rPr lang="fr-FR" dirty="0" smtClean="0"/>
-              <a:t>programme</a:t>
-            </a:r>
-            <a:r>
-              <a:rPr lang="fr-FR" dirty="0"/>
-              <a:t/>
-            </a:r>
-            <a:br>
-              <a:rPr lang="fr-FR" dirty="0"/>
-            </a:br>
-            <a:r>
-              <a:rPr lang="fr-FR" dirty="0" smtClean="0"/>
-              <a:t>Appelle la méthode </a:t>
-            </a:r>
-            <a:r>
-              <a:rPr lang="fr-FR" dirty="0" err="1" smtClean="0"/>
-              <a:t>game.replay</a:t>
-            </a:r>
-            <a:r>
-              <a:rPr lang="fr-FR" dirty="0" smtClean="0"/>
-              <a:t> : choix de</a:t>
-            </a:r>
-            <a:br>
-              <a:rPr lang="fr-FR" dirty="0" smtClean="0"/>
-            </a:br>
-            <a:r>
-              <a:rPr lang="fr-FR" dirty="0" smtClean="0"/>
-              <a:t>Appelle </a:t>
-            </a:r>
-            <a:r>
-              <a:rPr lang="fr-FR" dirty="0"/>
-              <a:t>la méthode </a:t>
-            </a:r>
-            <a:r>
-              <a:rPr lang="fr-FR" dirty="0" err="1" smtClean="0"/>
-              <a:t>settings.clear</a:t>
-            </a:r>
-            <a:r>
-              <a:rPr lang="fr-FR" dirty="0" smtClean="0"/>
-              <a:t> pour </a:t>
-            </a:r>
-            <a:r>
-              <a:rPr lang="fr-FR" dirty="0" err="1" smtClean="0"/>
-              <a:t>ré-initialiser</a:t>
-            </a:r>
-            <a:r>
-              <a:rPr lang="fr-FR" dirty="0" smtClean="0"/>
-              <a:t> les paramètres</a:t>
-            </a:r>
-            <a:endParaRPr lang="fr-FR" dirty="0"/>
-          </a:p>
-        </p:txBody>
-      </p:sp>
-    </p:spTree>
-    <p:extLst>
-      <p:ext uri="{BB962C8B-B14F-4D97-AF65-F5344CB8AC3E}">
-        <p14:creationId xmlns:p14="http://schemas.microsoft.com/office/powerpoint/2010/main" val="3664880145"/>
       </p:ext>
     </p:extLst>
   </p:cSld>

--- a/Mettez votre logique à l'épreuve.pptx
+++ b/Mettez votre logique à l'épreuve.pptx
@@ -4547,6 +4547,13 @@
   <p:clrMapOvr>
     <a:masterClrMapping/>
   </p:clrMapOvr>
+  <p:timing>
+    <p:tnLst>
+      <p:par>
+        <p:cTn id="1" dur="indefinite" restart="never" nodeType="tmRoot"/>
+      </p:par>
+    </p:tnLst>
+  </p:timing>
 </p:sld>
 </file>
 
@@ -4759,6 +4766,13 @@
   <p:clrMapOvr>
     <a:masterClrMapping/>
   </p:clrMapOvr>
+  <p:timing>
+    <p:tnLst>
+      <p:par>
+        <p:cTn id="1" dur="indefinite" restart="never" nodeType="tmRoot"/>
+      </p:par>
+    </p:tnLst>
+  </p:timing>
 </p:sld>
 </file>
 
@@ -4954,6 +4968,13 @@
   <p:clrMapOvr>
     <a:masterClrMapping/>
   </p:clrMapOvr>
+  <p:timing>
+    <p:tnLst>
+      <p:par>
+        <p:cTn id="1" dur="indefinite" restart="never" nodeType="tmRoot"/>
+      </p:par>
+    </p:tnLst>
+  </p:timing>
 </p:sld>
 </file>
 
@@ -5123,6 +5144,13 @@
   <p:clrMapOvr>
     <a:masterClrMapping/>
   </p:clrMapOvr>
+  <p:timing>
+    <p:tnLst>
+      <p:par>
+        <p:cTn id="1" dur="indefinite" restart="never" nodeType="tmRoot"/>
+      </p:par>
+    </p:tnLst>
+  </p:timing>
 </p:sld>
 </file>
 
@@ -5201,6 +5229,13 @@
   <p:clrMapOvr>
     <a:masterClrMapping/>
   </p:clrMapOvr>
+  <p:timing>
+    <p:tnLst>
+      <p:par>
+        <p:cTn id="1" dur="indefinite" restart="never" nodeType="tmRoot"/>
+      </p:par>
+    </p:tnLst>
+  </p:timing>
 </p:sld>
 </file>
 
@@ -5447,6 +5482,13 @@
   <p:clrMapOvr>
     <a:masterClrMapping/>
   </p:clrMapOvr>
+  <p:timing>
+    <p:tnLst>
+      <p:par>
+        <p:cTn id="1" dur="indefinite" restart="never" nodeType="tmRoot"/>
+      </p:par>
+    </p:tnLst>
+  </p:timing>
 </p:sld>
 </file>
 
@@ -5525,6 +5567,13 @@
   <p:clrMapOvr>
     <a:masterClrMapping/>
   </p:clrMapOvr>
+  <p:timing>
+    <p:tnLst>
+      <p:par>
+        <p:cTn id="1" dur="indefinite" restart="never" nodeType="tmRoot"/>
+      </p:par>
+    </p:tnLst>
+  </p:timing>
 </p:sld>
 </file>
 
@@ -5615,6 +5664,13 @@
   <p:clrMapOvr>
     <a:masterClrMapping/>
   </p:clrMapOvr>
+  <p:timing>
+    <p:tnLst>
+      <p:par>
+        <p:cTn id="1" dur="indefinite" restart="never" nodeType="tmRoot"/>
+      </p:par>
+    </p:tnLst>
+  </p:timing>
 </p:sld>
 </file>
 
@@ -5693,6 +5749,13 @@
   <p:clrMapOvr>
     <a:masterClrMapping/>
   </p:clrMapOvr>
+  <p:timing>
+    <p:tnLst>
+      <p:par>
+        <p:cTn id="1" dur="indefinite" restart="never" nodeType="tmRoot"/>
+      </p:par>
+    </p:tnLst>
+  </p:timing>
 </p:sld>
 </file>
 
@@ -6158,6 +6221,13 @@
   <p:clrMapOvr>
     <a:masterClrMapping/>
   </p:clrMapOvr>
+  <p:timing>
+    <p:tnLst>
+      <p:par>
+        <p:cTn id="1" dur="indefinite" restart="never" nodeType="tmRoot"/>
+      </p:par>
+    </p:tnLst>
+  </p:timing>
 </p:sld>
 </file>
 
@@ -6319,6 +6389,13 @@
   <p:clrMapOvr>
     <a:masterClrMapping/>
   </p:clrMapOvr>
+  <p:timing>
+    <p:tnLst>
+      <p:par>
+        <p:cTn id="1" dur="indefinite" restart="never" nodeType="tmRoot"/>
+      </p:par>
+    </p:tnLst>
+  </p:timing>
 </p:sld>
 </file>
 
@@ -6443,6 +6520,13 @@
   <p:clrMapOvr>
     <a:masterClrMapping/>
   </p:clrMapOvr>
+  <p:timing>
+    <p:tnLst>
+      <p:par>
+        <p:cTn id="1" dur="indefinite" restart="never" nodeType="tmRoot"/>
+      </p:par>
+    </p:tnLst>
+  </p:timing>
 </p:sld>
 </file>
 
@@ -6599,6 +6683,13 @@
   <p:clrMapOvr>
     <a:masterClrMapping/>
   </p:clrMapOvr>
+  <p:timing>
+    <p:tnLst>
+      <p:par>
+        <p:cTn id="1" dur="indefinite" restart="never" nodeType="tmRoot"/>
+      </p:par>
+    </p:tnLst>
+  </p:timing>
 </p:sld>
 </file>
 
@@ -6677,6 +6768,13 @@
   <p:clrMapOvr>
     <a:masterClrMapping/>
   </p:clrMapOvr>
+  <p:timing>
+    <p:tnLst>
+      <p:par>
+        <p:cTn id="1" dur="indefinite" restart="never" nodeType="tmRoot"/>
+      </p:par>
+    </p:tnLst>
+  </p:timing>
 </p:sld>
 </file>
 
@@ -6745,7 +6843,15 @@
             </a:r>
             <a:r>
               <a:rPr lang="fr-FR" dirty="0" smtClean="0"/>
-              <a:t> : lancer le fichier index.html pour avoir toute la document du projet et du </a:t>
+              <a:t> : lancer le fichier index.html pour avoir toute la </a:t>
+            </a:r>
+            <a:r>
+              <a:rPr lang="fr-FR" dirty="0" smtClean="0"/>
+              <a:t>documentation </a:t>
+            </a:r>
+            <a:r>
+              <a:rPr lang="fr-FR" dirty="0" smtClean="0"/>
+              <a:t>du projet et du </a:t>
             </a:r>
             <a:r>
               <a:rPr lang="fr-FR" b="1" dirty="0" smtClean="0"/>
@@ -6764,7 +6870,15 @@
           <a:p>
             <a:r>
               <a:rPr lang="fr-FR" dirty="0" smtClean="0"/>
-              <a:t>Dossier lib : continent la librairie log4j-1,2,17.jar permettant la gestion des logs </a:t>
+              <a:t>Dossier lib : </a:t>
+            </a:r>
+            <a:r>
+              <a:rPr lang="fr-FR" dirty="0" smtClean="0"/>
+              <a:t>contient </a:t>
+            </a:r>
+            <a:r>
+              <a:rPr lang="fr-FR" dirty="0" smtClean="0"/>
+              <a:t>la librairie log4j-1,2,17.jar permettant la gestion des logs </a:t>
             </a:r>
           </a:p>
           <a:p>
@@ -6806,7 +6920,15 @@
             </a:r>
             <a:r>
               <a:rPr lang="fr-FR" dirty="0" smtClean="0"/>
-              <a:t> : contient toutes les sources du projet (fichier class format .java)</a:t>
+              <a:t> : contient toutes les sources du projet (</a:t>
+            </a:r>
+            <a:r>
+              <a:rPr lang="fr-FR" dirty="0" smtClean="0"/>
+              <a:t>fichiers des class </a:t>
+            </a:r>
+            <a:r>
+              <a:rPr lang="fr-FR" dirty="0" smtClean="0"/>
+              <a:t>format .java)</a:t>
             </a:r>
           </a:p>
           <a:p>
@@ -6909,6 +7031,13 @@
   <p:clrMapOvr>
     <a:masterClrMapping/>
   </p:clrMapOvr>
+  <p:timing>
+    <p:tnLst>
+      <p:par>
+        <p:cTn id="1" dur="indefinite" restart="never" nodeType="tmRoot"/>
+      </p:par>
+    </p:tnLst>
+  </p:timing>
 </p:sld>
 </file>
 
@@ -7889,6 +8018,13 @@
   <p:clrMapOvr>
     <a:masterClrMapping/>
   </p:clrMapOvr>
+  <p:timing>
+    <p:tnLst>
+      <p:par>
+        <p:cTn id="1" dur="indefinite" restart="never" nodeType="tmRoot"/>
+      </p:par>
+    </p:tnLst>
+  </p:timing>
 </p:sld>
 </file>
 
